--- a/財務分析の図.pptx
+++ b/財務分析の図.pptx
@@ -6,6 +6,8 @@
   </p:sldMasterIdLst>
   <p:sldIdLst>
     <p:sldId id="256" r:id="rId2"/>
+    <p:sldId id="257" r:id="rId3"/>
+    <p:sldId id="258" r:id="rId4"/>
   </p:sldIdLst>
   <p:sldSz cx="12192000" cy="6858000"/>
   <p:notesSz cx="6858000" cy="9144000"/>
@@ -259,7 +261,7 @@
           <a:p>
             <a:fld id="{23E22731-902C-6C43-90B6-859E8B48BF01}" type="datetimeFigureOut">
               <a:rPr kumimoji="1" lang="ja-JP" altLang="en-US" smtClean="0"/>
-              <a:t>2024/2/3</a:t>
+              <a:t>2024/2/13</a:t>
             </a:fld>
             <a:endParaRPr kumimoji="1" lang="ja-JP" altLang="en-US"/>
           </a:p>
@@ -489,7 +491,7 @@
           <a:p>
             <a:fld id="{23E22731-902C-6C43-90B6-859E8B48BF01}" type="datetimeFigureOut">
               <a:rPr kumimoji="1" lang="ja-JP" altLang="en-US" smtClean="0"/>
-              <a:t>2024/2/3</a:t>
+              <a:t>2024/2/13</a:t>
             </a:fld>
             <a:endParaRPr kumimoji="1" lang="ja-JP" altLang="en-US"/>
           </a:p>
@@ -729,7 +731,7 @@
           <a:p>
             <a:fld id="{23E22731-902C-6C43-90B6-859E8B48BF01}" type="datetimeFigureOut">
               <a:rPr kumimoji="1" lang="ja-JP" altLang="en-US" smtClean="0"/>
-              <a:t>2024/2/3</a:t>
+              <a:t>2024/2/13</a:t>
             </a:fld>
             <a:endParaRPr kumimoji="1" lang="ja-JP" altLang="en-US"/>
           </a:p>
@@ -959,7 +961,7 @@
           <a:p>
             <a:fld id="{23E22731-902C-6C43-90B6-859E8B48BF01}" type="datetimeFigureOut">
               <a:rPr kumimoji="1" lang="ja-JP" altLang="en-US" smtClean="0"/>
-              <a:t>2024/2/3</a:t>
+              <a:t>2024/2/13</a:t>
             </a:fld>
             <a:endParaRPr kumimoji="1" lang="ja-JP" altLang="en-US"/>
           </a:p>
@@ -1234,7 +1236,7 @@
           <a:p>
             <a:fld id="{23E22731-902C-6C43-90B6-859E8B48BF01}" type="datetimeFigureOut">
               <a:rPr kumimoji="1" lang="ja-JP" altLang="en-US" smtClean="0"/>
-              <a:t>2024/2/3</a:t>
+              <a:t>2024/2/13</a:t>
             </a:fld>
             <a:endParaRPr kumimoji="1" lang="ja-JP" altLang="en-US"/>
           </a:p>
@@ -1563,7 +1565,7 @@
           <a:p>
             <a:fld id="{23E22731-902C-6C43-90B6-859E8B48BF01}" type="datetimeFigureOut">
               <a:rPr kumimoji="1" lang="ja-JP" altLang="en-US" smtClean="0"/>
-              <a:t>2024/2/3</a:t>
+              <a:t>2024/2/13</a:t>
             </a:fld>
             <a:endParaRPr kumimoji="1" lang="ja-JP" altLang="en-US"/>
           </a:p>
@@ -2039,7 +2041,7 @@
           <a:p>
             <a:fld id="{23E22731-902C-6C43-90B6-859E8B48BF01}" type="datetimeFigureOut">
               <a:rPr kumimoji="1" lang="ja-JP" altLang="en-US" smtClean="0"/>
-              <a:t>2024/2/3</a:t>
+              <a:t>2024/2/13</a:t>
             </a:fld>
             <a:endParaRPr kumimoji="1" lang="ja-JP" altLang="en-US"/>
           </a:p>
@@ -2180,7 +2182,7 @@
           <a:p>
             <a:fld id="{23E22731-902C-6C43-90B6-859E8B48BF01}" type="datetimeFigureOut">
               <a:rPr kumimoji="1" lang="ja-JP" altLang="en-US" smtClean="0"/>
-              <a:t>2024/2/3</a:t>
+              <a:t>2024/2/13</a:t>
             </a:fld>
             <a:endParaRPr kumimoji="1" lang="ja-JP" altLang="en-US"/>
           </a:p>
@@ -2293,7 +2295,7 @@
           <a:p>
             <a:fld id="{23E22731-902C-6C43-90B6-859E8B48BF01}" type="datetimeFigureOut">
               <a:rPr kumimoji="1" lang="ja-JP" altLang="en-US" smtClean="0"/>
-              <a:t>2024/2/3</a:t>
+              <a:t>2024/2/13</a:t>
             </a:fld>
             <a:endParaRPr kumimoji="1" lang="ja-JP" altLang="en-US"/>
           </a:p>
@@ -2636,7 +2638,7 @@
           <a:p>
             <a:fld id="{23E22731-902C-6C43-90B6-859E8B48BF01}" type="datetimeFigureOut">
               <a:rPr kumimoji="1" lang="ja-JP" altLang="en-US" smtClean="0"/>
-              <a:t>2024/2/3</a:t>
+              <a:t>2024/2/13</a:t>
             </a:fld>
             <a:endParaRPr kumimoji="1" lang="ja-JP" altLang="en-US"/>
           </a:p>
@@ -2924,7 +2926,7 @@
           <a:p>
             <a:fld id="{23E22731-902C-6C43-90B6-859E8B48BF01}" type="datetimeFigureOut">
               <a:rPr kumimoji="1" lang="ja-JP" altLang="en-US" smtClean="0"/>
-              <a:t>2024/2/3</a:t>
+              <a:t>2024/2/13</a:t>
             </a:fld>
             <a:endParaRPr kumimoji="1" lang="ja-JP" altLang="en-US"/>
           </a:p>
@@ -3197,7 +3199,7 @@
           <a:p>
             <a:fld id="{23E22731-902C-6C43-90B6-859E8B48BF01}" type="datetimeFigureOut">
               <a:rPr kumimoji="1" lang="ja-JP" altLang="en-US" smtClean="0"/>
-              <a:t>2024/2/3</a:t>
+              <a:t>2024/2/13</a:t>
             </a:fld>
             <a:endParaRPr kumimoji="1" lang="ja-JP" altLang="en-US"/>
           </a:p>
@@ -4428,6 +4430,4649 @@
     <p:extLst>
       <p:ext uri="{BB962C8B-B14F-4D97-AF65-F5344CB8AC3E}">
         <p14:creationId xmlns:p14="http://schemas.microsoft.com/office/powerpoint/2010/main" val="2033978193"/>
+      </p:ext>
+    </p:extLst>
+  </p:cSld>
+  <p:clrMapOvr>
+    <a:masterClrMapping/>
+  </p:clrMapOvr>
+</p:sld>
+</file>
+
+<file path=ppt/slides/slide2.xml><?xml version="1.0" encoding="utf-8"?>
+<p:sld xmlns:a="http://schemas.openxmlformats.org/drawingml/2006/main" xmlns:r="http://schemas.openxmlformats.org/officeDocument/2006/relationships" xmlns:p="http://schemas.openxmlformats.org/presentationml/2006/main">
+  <p:cSld>
+    <p:spTree>
+      <p:nvGrpSpPr>
+        <p:cNvPr id="1" name=""/>
+        <p:cNvGrpSpPr/>
+        <p:nvPr/>
+      </p:nvGrpSpPr>
+      <p:grpSpPr>
+        <a:xfrm>
+          <a:off x="0" y="0"/>
+          <a:ext cx="0" cy="0"/>
+          <a:chOff x="0" y="0"/>
+          <a:chExt cx="0" cy="0"/>
+        </a:xfrm>
+      </p:grpSpPr>
+      <p:sp>
+        <p:nvSpPr>
+          <p:cNvPr id="12" name="三角形 11">
+            <a:extLst>
+              <a:ext uri="{FF2B5EF4-FFF2-40B4-BE49-F238E27FC236}">
+                <a16:creationId xmlns:a16="http://schemas.microsoft.com/office/drawing/2014/main" id="{91A4297D-F89A-94DE-8237-FE9462E0738D}"/>
+              </a:ext>
+            </a:extLst>
+          </p:cNvPr>
+          <p:cNvSpPr/>
+          <p:nvPr/>
+        </p:nvSpPr>
+        <p:spPr>
+          <a:xfrm>
+            <a:off x="2460861" y="2490594"/>
+            <a:ext cx="5958744" cy="2256310"/>
+          </a:xfrm>
+          <a:prstGeom prst="triangle">
+            <a:avLst>
+              <a:gd name="adj" fmla="val 100000"/>
+            </a:avLst>
+          </a:prstGeom>
+          <a:solidFill>
+            <a:schemeClr val="accent5">
+              <a:lumMod val="20000"/>
+              <a:lumOff val="80000"/>
+            </a:schemeClr>
+          </a:solidFill>
+          <a:ln w="38100">
+            <a:noFill/>
+          </a:ln>
+        </p:spPr>
+        <p:style>
+          <a:lnRef idx="2">
+            <a:schemeClr val="accent1">
+              <a:shade val="15000"/>
+            </a:schemeClr>
+          </a:lnRef>
+          <a:fillRef idx="1">
+            <a:schemeClr val="accent1"/>
+          </a:fillRef>
+          <a:effectRef idx="0">
+            <a:schemeClr val="accent1"/>
+          </a:effectRef>
+          <a:fontRef idx="minor">
+            <a:schemeClr val="lt1"/>
+          </a:fontRef>
+        </p:style>
+        <p:txBody>
+          <a:bodyPr rtlCol="0" anchor="ctr"/>
+          <a:lstStyle/>
+          <a:p>
+            <a:pPr algn="ctr"/>
+            <a:endParaRPr kumimoji="1" lang="ja-JP" altLang="en-US" sz="2800">
+              <a:solidFill>
+                <a:schemeClr val="tx1">
+                  <a:lumMod val="75000"/>
+                  <a:lumOff val="25000"/>
+                </a:schemeClr>
+              </a:solidFill>
+              <a:latin typeface="BIZ UDPGothic" panose="020B0400000000000000" pitchFamily="34" charset="-128"/>
+              <a:ea typeface="BIZ UDPGothic" panose="020B0400000000000000" pitchFamily="34" charset="-128"/>
+            </a:endParaRPr>
+          </a:p>
+        </p:txBody>
+      </p:sp>
+      <p:sp>
+        <p:nvSpPr>
+          <p:cNvPr id="11" name="正方形/長方形 10">
+            <a:extLst>
+              <a:ext uri="{FF2B5EF4-FFF2-40B4-BE49-F238E27FC236}">
+                <a16:creationId xmlns:a16="http://schemas.microsoft.com/office/drawing/2014/main" id="{6A280C28-79BF-F91A-B243-04C2FA95F1E6}"/>
+              </a:ext>
+            </a:extLst>
+          </p:cNvPr>
+          <p:cNvSpPr/>
+          <p:nvPr/>
+        </p:nvSpPr>
+        <p:spPr>
+          <a:xfrm>
+            <a:off x="2460860" y="4746904"/>
+            <a:ext cx="5958745" cy="1182996"/>
+          </a:xfrm>
+          <a:prstGeom prst="rect">
+            <a:avLst/>
+          </a:prstGeom>
+          <a:solidFill>
+            <a:schemeClr val="accent6">
+              <a:lumMod val="20000"/>
+              <a:lumOff val="80000"/>
+            </a:schemeClr>
+          </a:solidFill>
+          <a:ln w="38100">
+            <a:noFill/>
+          </a:ln>
+        </p:spPr>
+        <p:style>
+          <a:lnRef idx="2">
+            <a:schemeClr val="accent1">
+              <a:shade val="15000"/>
+            </a:schemeClr>
+          </a:lnRef>
+          <a:fillRef idx="1">
+            <a:schemeClr val="accent1"/>
+          </a:fillRef>
+          <a:effectRef idx="0">
+            <a:schemeClr val="accent1"/>
+          </a:effectRef>
+          <a:fontRef idx="minor">
+            <a:schemeClr val="lt1"/>
+          </a:fontRef>
+        </p:style>
+        <p:txBody>
+          <a:bodyPr rtlCol="0" anchor="ctr"/>
+          <a:lstStyle/>
+          <a:p>
+            <a:pPr algn="ctr"/>
+            <a:endParaRPr kumimoji="1" lang="ja-JP" altLang="en-US" sz="2800">
+              <a:solidFill>
+                <a:schemeClr val="tx1">
+                  <a:lumMod val="75000"/>
+                  <a:lumOff val="25000"/>
+                </a:schemeClr>
+              </a:solidFill>
+              <a:latin typeface="BIZ UDPGothic" panose="020B0400000000000000" pitchFamily="34" charset="-128"/>
+              <a:ea typeface="BIZ UDPGothic" panose="020B0400000000000000" pitchFamily="34" charset="-128"/>
+            </a:endParaRPr>
+          </a:p>
+        </p:txBody>
+      </p:sp>
+      <p:cxnSp>
+        <p:nvCxnSpPr>
+          <p:cNvPr id="5" name="直線矢印コネクタ 4">
+            <a:extLst>
+              <a:ext uri="{FF2B5EF4-FFF2-40B4-BE49-F238E27FC236}">
+                <a16:creationId xmlns:a16="http://schemas.microsoft.com/office/drawing/2014/main" id="{BACE14AF-A06D-907D-A78D-C3E8AD935A63}"/>
+              </a:ext>
+            </a:extLst>
+          </p:cNvPr>
+          <p:cNvCxnSpPr/>
+          <p:nvPr/>
+        </p:nvCxnSpPr>
+        <p:spPr>
+          <a:xfrm flipV="1">
+            <a:off x="2460860" y="1388723"/>
+            <a:ext cx="0" cy="4541177"/>
+          </a:xfrm>
+          <a:prstGeom prst="straightConnector1">
+            <a:avLst/>
+          </a:prstGeom>
+          <a:ln w="28575" cap="sq">
+            <a:solidFill>
+              <a:schemeClr val="tx1">
+                <a:lumMod val="75000"/>
+                <a:lumOff val="25000"/>
+              </a:schemeClr>
+            </a:solidFill>
+            <a:bevel/>
+            <a:tailEnd type="triangle"/>
+          </a:ln>
+        </p:spPr>
+        <p:style>
+          <a:lnRef idx="1">
+            <a:schemeClr val="accent1"/>
+          </a:lnRef>
+          <a:fillRef idx="0">
+            <a:schemeClr val="accent1"/>
+          </a:fillRef>
+          <a:effectRef idx="0">
+            <a:schemeClr val="accent1"/>
+          </a:effectRef>
+          <a:fontRef idx="minor">
+            <a:schemeClr val="tx1"/>
+          </a:fontRef>
+        </p:style>
+      </p:cxnSp>
+      <p:cxnSp>
+        <p:nvCxnSpPr>
+          <p:cNvPr id="6" name="直線矢印コネクタ 5">
+            <a:extLst>
+              <a:ext uri="{FF2B5EF4-FFF2-40B4-BE49-F238E27FC236}">
+                <a16:creationId xmlns:a16="http://schemas.microsoft.com/office/drawing/2014/main" id="{E4FB5D51-9D4B-9559-D870-08B2AD37A452}"/>
+              </a:ext>
+            </a:extLst>
+          </p:cNvPr>
+          <p:cNvCxnSpPr>
+            <a:cxnSpLocks/>
+          </p:cNvCxnSpPr>
+          <p:nvPr/>
+        </p:nvCxnSpPr>
+        <p:spPr>
+          <a:xfrm>
+            <a:off x="2460860" y="5929900"/>
+            <a:ext cx="6742516" cy="0"/>
+          </a:xfrm>
+          <a:prstGeom prst="straightConnector1">
+            <a:avLst/>
+          </a:prstGeom>
+          <a:ln w="28575">
+            <a:solidFill>
+              <a:schemeClr val="tx1">
+                <a:lumMod val="75000"/>
+                <a:lumOff val="25000"/>
+              </a:schemeClr>
+            </a:solidFill>
+            <a:tailEnd type="triangle"/>
+          </a:ln>
+        </p:spPr>
+        <p:style>
+          <a:lnRef idx="1">
+            <a:schemeClr val="accent1"/>
+          </a:lnRef>
+          <a:fillRef idx="0">
+            <a:schemeClr val="accent1"/>
+          </a:fillRef>
+          <a:effectRef idx="0">
+            <a:schemeClr val="accent1"/>
+          </a:effectRef>
+          <a:fontRef idx="minor">
+            <a:schemeClr val="tx1"/>
+          </a:fontRef>
+        </p:style>
+      </p:cxnSp>
+      <p:cxnSp>
+        <p:nvCxnSpPr>
+          <p:cNvPr id="14" name="直線コネクタ 13">
+            <a:extLst>
+              <a:ext uri="{FF2B5EF4-FFF2-40B4-BE49-F238E27FC236}">
+                <a16:creationId xmlns:a16="http://schemas.microsoft.com/office/drawing/2014/main" id="{CC3A7720-A8E4-1460-A630-6C5BB7C76299}"/>
+              </a:ext>
+            </a:extLst>
+          </p:cNvPr>
+          <p:cNvCxnSpPr>
+            <a:cxnSpLocks/>
+            <a:stCxn id="12" idx="2"/>
+          </p:cNvCxnSpPr>
+          <p:nvPr/>
+        </p:nvCxnSpPr>
+        <p:spPr>
+          <a:xfrm>
+            <a:off x="2460861" y="4746904"/>
+            <a:ext cx="5958744" cy="0"/>
+          </a:xfrm>
+          <a:prstGeom prst="line">
+            <a:avLst/>
+          </a:prstGeom>
+          <a:ln w="19050">
+            <a:solidFill>
+              <a:schemeClr val="tx1">
+                <a:lumMod val="75000"/>
+                <a:lumOff val="25000"/>
+              </a:schemeClr>
+            </a:solidFill>
+          </a:ln>
+        </p:spPr>
+        <p:style>
+          <a:lnRef idx="1">
+            <a:schemeClr val="accent1"/>
+          </a:lnRef>
+          <a:fillRef idx="0">
+            <a:schemeClr val="accent1"/>
+          </a:fillRef>
+          <a:effectRef idx="0">
+            <a:schemeClr val="accent1"/>
+          </a:effectRef>
+          <a:fontRef idx="minor">
+            <a:schemeClr val="tx1"/>
+          </a:fontRef>
+        </p:style>
+      </p:cxnSp>
+      <p:cxnSp>
+        <p:nvCxnSpPr>
+          <p:cNvPr id="15" name="直線コネクタ 14">
+            <a:extLst>
+              <a:ext uri="{FF2B5EF4-FFF2-40B4-BE49-F238E27FC236}">
+                <a16:creationId xmlns:a16="http://schemas.microsoft.com/office/drawing/2014/main" id="{EF409531-4658-9108-4592-D79C6332B27C}"/>
+              </a:ext>
+            </a:extLst>
+          </p:cNvPr>
+          <p:cNvCxnSpPr>
+            <a:cxnSpLocks/>
+            <a:endCxn id="12" idx="0"/>
+          </p:cNvCxnSpPr>
+          <p:nvPr/>
+        </p:nvCxnSpPr>
+        <p:spPr>
+          <a:xfrm flipV="1">
+            <a:off x="2460859" y="2490594"/>
+            <a:ext cx="5958746" cy="2256310"/>
+          </a:xfrm>
+          <a:prstGeom prst="line">
+            <a:avLst/>
+          </a:prstGeom>
+          <a:ln w="28575">
+            <a:solidFill>
+              <a:schemeClr val="accent5">
+                <a:lumMod val="75000"/>
+              </a:schemeClr>
+            </a:solidFill>
+          </a:ln>
+        </p:spPr>
+        <p:style>
+          <a:lnRef idx="1">
+            <a:schemeClr val="accent1"/>
+          </a:lnRef>
+          <a:fillRef idx="0">
+            <a:schemeClr val="accent1"/>
+          </a:fillRef>
+          <a:effectRef idx="0">
+            <a:schemeClr val="accent1"/>
+          </a:effectRef>
+          <a:fontRef idx="minor">
+            <a:schemeClr val="tx1"/>
+          </a:fontRef>
+        </p:style>
+      </p:cxnSp>
+      <p:cxnSp>
+        <p:nvCxnSpPr>
+          <p:cNvPr id="18" name="直線コネクタ 17">
+            <a:extLst>
+              <a:ext uri="{FF2B5EF4-FFF2-40B4-BE49-F238E27FC236}">
+                <a16:creationId xmlns:a16="http://schemas.microsoft.com/office/drawing/2014/main" id="{107FBE33-9AB5-88CF-4A3F-8C894BA8522F}"/>
+              </a:ext>
+            </a:extLst>
+          </p:cNvPr>
+          <p:cNvCxnSpPr>
+            <a:cxnSpLocks/>
+          </p:cNvCxnSpPr>
+          <p:nvPr/>
+        </p:nvCxnSpPr>
+        <p:spPr>
+          <a:xfrm flipV="1">
+            <a:off x="2460858" y="1388723"/>
+            <a:ext cx="5958744" cy="4541177"/>
+          </a:xfrm>
+          <a:prstGeom prst="line">
+            <a:avLst/>
+          </a:prstGeom>
+          <a:ln w="28575">
+            <a:solidFill>
+              <a:srgbClr val="C00000"/>
+            </a:solidFill>
+          </a:ln>
+        </p:spPr>
+        <p:style>
+          <a:lnRef idx="1">
+            <a:schemeClr val="accent1"/>
+          </a:lnRef>
+          <a:fillRef idx="0">
+            <a:schemeClr val="accent1"/>
+          </a:fillRef>
+          <a:effectRef idx="0">
+            <a:schemeClr val="accent1"/>
+          </a:effectRef>
+          <a:fontRef idx="minor">
+            <a:schemeClr val="tx1"/>
+          </a:fontRef>
+        </p:style>
+      </p:cxnSp>
+      <p:cxnSp>
+        <p:nvCxnSpPr>
+          <p:cNvPr id="29" name="直線コネクタ 28">
+            <a:extLst>
+              <a:ext uri="{FF2B5EF4-FFF2-40B4-BE49-F238E27FC236}">
+                <a16:creationId xmlns:a16="http://schemas.microsoft.com/office/drawing/2014/main" id="{29E4798E-4058-D2F7-46CD-5C18E0F4B60E}"/>
+              </a:ext>
+            </a:extLst>
+          </p:cNvPr>
+          <p:cNvCxnSpPr>
+            <a:cxnSpLocks/>
+          </p:cNvCxnSpPr>
+          <p:nvPr/>
+        </p:nvCxnSpPr>
+        <p:spPr>
+          <a:xfrm>
+            <a:off x="5525984" y="3648438"/>
+            <a:ext cx="0" cy="2281462"/>
+          </a:xfrm>
+          <a:prstGeom prst="line">
+            <a:avLst/>
+          </a:prstGeom>
+          <a:ln w="19050">
+            <a:prstDash val="dash"/>
+          </a:ln>
+        </p:spPr>
+        <p:style>
+          <a:lnRef idx="1">
+            <a:schemeClr val="accent1"/>
+          </a:lnRef>
+          <a:fillRef idx="0">
+            <a:schemeClr val="accent1"/>
+          </a:fillRef>
+          <a:effectRef idx="0">
+            <a:schemeClr val="accent1"/>
+          </a:effectRef>
+          <a:fontRef idx="minor">
+            <a:schemeClr val="tx1"/>
+          </a:fontRef>
+        </p:style>
+      </p:cxnSp>
+      <p:sp>
+        <p:nvSpPr>
+          <p:cNvPr id="31" name="円/楕円 30">
+            <a:extLst>
+              <a:ext uri="{FF2B5EF4-FFF2-40B4-BE49-F238E27FC236}">
+                <a16:creationId xmlns:a16="http://schemas.microsoft.com/office/drawing/2014/main" id="{A9ADC73B-612F-A73D-7128-36753CBBEB47}"/>
+              </a:ext>
+            </a:extLst>
+          </p:cNvPr>
+          <p:cNvSpPr/>
+          <p:nvPr/>
+        </p:nvSpPr>
+        <p:spPr>
+          <a:xfrm>
+            <a:off x="5475857" y="3541560"/>
+            <a:ext cx="106878" cy="106878"/>
+          </a:xfrm>
+          <a:prstGeom prst="ellipse">
+            <a:avLst/>
+          </a:prstGeom>
+          <a:solidFill>
+            <a:schemeClr val="tx1"/>
+          </a:solidFill>
+          <a:ln w="38100">
+            <a:noFill/>
+          </a:ln>
+        </p:spPr>
+        <p:style>
+          <a:lnRef idx="2">
+            <a:schemeClr val="accent1">
+              <a:shade val="15000"/>
+            </a:schemeClr>
+          </a:lnRef>
+          <a:fillRef idx="1">
+            <a:schemeClr val="accent1"/>
+          </a:fillRef>
+          <a:effectRef idx="0">
+            <a:schemeClr val="accent1"/>
+          </a:effectRef>
+          <a:fontRef idx="minor">
+            <a:schemeClr val="lt1"/>
+          </a:fontRef>
+        </p:style>
+        <p:txBody>
+          <a:bodyPr rtlCol="0" anchor="ctr"/>
+          <a:lstStyle/>
+          <a:p>
+            <a:pPr algn="ctr"/>
+            <a:endParaRPr kumimoji="1" lang="ja-JP" altLang="en-US" sz="2800">
+              <a:solidFill>
+                <a:schemeClr val="tx1">
+                  <a:lumMod val="75000"/>
+                  <a:lumOff val="25000"/>
+                </a:schemeClr>
+              </a:solidFill>
+              <a:latin typeface="BIZ UDPGothic" panose="020B0400000000000000" pitchFamily="34" charset="-128"/>
+              <a:ea typeface="BIZ UDPGothic" panose="020B0400000000000000" pitchFamily="34" charset="-128"/>
+            </a:endParaRPr>
+          </a:p>
+        </p:txBody>
+      </p:sp>
+      <p:sp>
+        <p:nvSpPr>
+          <p:cNvPr id="35" name="右中かっこ 34">
+            <a:extLst>
+              <a:ext uri="{FF2B5EF4-FFF2-40B4-BE49-F238E27FC236}">
+                <a16:creationId xmlns:a16="http://schemas.microsoft.com/office/drawing/2014/main" id="{D5F14356-EB8A-7C19-EB34-7A35AEEC70FF}"/>
+              </a:ext>
+            </a:extLst>
+          </p:cNvPr>
+          <p:cNvSpPr/>
+          <p:nvPr/>
+        </p:nvSpPr>
+        <p:spPr>
+          <a:xfrm>
+            <a:off x="8514807" y="2490594"/>
+            <a:ext cx="344384" cy="2256310"/>
+          </a:xfrm>
+          <a:prstGeom prst="rightBrace">
+            <a:avLst>
+              <a:gd name="adj1" fmla="val 42816"/>
+              <a:gd name="adj2" fmla="val 50000"/>
+            </a:avLst>
+          </a:prstGeom>
+          <a:ln w="25400" cap="rnd">
+            <a:bevel/>
+          </a:ln>
+        </p:spPr>
+        <p:style>
+          <a:lnRef idx="1">
+            <a:schemeClr val="accent1"/>
+          </a:lnRef>
+          <a:fillRef idx="0">
+            <a:schemeClr val="accent1"/>
+          </a:fillRef>
+          <a:effectRef idx="0">
+            <a:schemeClr val="accent1"/>
+          </a:effectRef>
+          <a:fontRef idx="minor">
+            <a:schemeClr val="tx1"/>
+          </a:fontRef>
+        </p:style>
+        <p:txBody>
+          <a:bodyPr rtlCol="0" anchor="ctr"/>
+          <a:lstStyle/>
+          <a:p>
+            <a:pPr algn="ctr"/>
+            <a:endParaRPr kumimoji="1" lang="ja-JP" altLang="en-US"/>
+          </a:p>
+        </p:txBody>
+      </p:sp>
+      <p:sp>
+        <p:nvSpPr>
+          <p:cNvPr id="36" name="右中かっこ 35">
+            <a:extLst>
+              <a:ext uri="{FF2B5EF4-FFF2-40B4-BE49-F238E27FC236}">
+                <a16:creationId xmlns:a16="http://schemas.microsoft.com/office/drawing/2014/main" id="{556B8E25-4843-138B-A768-E39E86E35C11}"/>
+              </a:ext>
+            </a:extLst>
+          </p:cNvPr>
+          <p:cNvSpPr/>
+          <p:nvPr/>
+        </p:nvSpPr>
+        <p:spPr>
+          <a:xfrm>
+            <a:off x="8527280" y="4746901"/>
+            <a:ext cx="344384" cy="1182997"/>
+          </a:xfrm>
+          <a:prstGeom prst="rightBrace">
+            <a:avLst>
+              <a:gd name="adj1" fmla="val 42816"/>
+              <a:gd name="adj2" fmla="val 50000"/>
+            </a:avLst>
+          </a:prstGeom>
+          <a:ln w="25400" cap="rnd">
+            <a:solidFill>
+              <a:schemeClr val="accent6">
+                <a:lumMod val="75000"/>
+              </a:schemeClr>
+            </a:solidFill>
+            <a:bevel/>
+          </a:ln>
+        </p:spPr>
+        <p:style>
+          <a:lnRef idx="1">
+            <a:schemeClr val="accent1"/>
+          </a:lnRef>
+          <a:fillRef idx="0">
+            <a:schemeClr val="accent1"/>
+          </a:fillRef>
+          <a:effectRef idx="0">
+            <a:schemeClr val="accent1"/>
+          </a:effectRef>
+          <a:fontRef idx="minor">
+            <a:schemeClr val="tx1"/>
+          </a:fontRef>
+        </p:style>
+        <p:txBody>
+          <a:bodyPr rtlCol="0" anchor="ctr"/>
+          <a:lstStyle/>
+          <a:p>
+            <a:pPr algn="ctr"/>
+            <a:endParaRPr kumimoji="1" lang="ja-JP" altLang="en-US"/>
+          </a:p>
+        </p:txBody>
+      </p:sp>
+      <mc:AlternateContent xmlns:mc="http://schemas.openxmlformats.org/markup-compatibility/2006" xmlns:a14="http://schemas.microsoft.com/office/drawing/2010/main">
+        <mc:Choice Requires="a14">
+          <p:sp>
+            <p:nvSpPr>
+              <p:cNvPr id="37" name="テキスト ボックス 36">
+                <a:extLst>
+                  <a:ext uri="{FF2B5EF4-FFF2-40B4-BE49-F238E27FC236}">
+                    <a16:creationId xmlns:a16="http://schemas.microsoft.com/office/drawing/2014/main" id="{A65AA365-1ADF-892D-0D60-24C2714D2BEC}"/>
+                  </a:ext>
+                </a:extLst>
+              </p:cNvPr>
+              <p:cNvSpPr txBox="1"/>
+              <p:nvPr/>
+            </p:nvSpPr>
+            <p:spPr>
+              <a:xfrm>
+                <a:off x="8884137" y="5138347"/>
+                <a:ext cx="1352392" cy="400110"/>
+              </a:xfrm>
+              <a:prstGeom prst="rect">
+                <a:avLst/>
+              </a:prstGeom>
+              <a:noFill/>
+            </p:spPr>
+            <p:txBody>
+              <a:bodyPr wrap="square" rtlCol="0">
+                <a:spAutoFit/>
+              </a:bodyPr>
+              <a:lstStyle/>
+              <a:p>
+                <a:r>
+                  <a:rPr kumimoji="1" lang="ja-JP" altLang="en-US" sz="2000" b="1">
+                    <a:solidFill>
+                      <a:schemeClr val="accent6">
+                        <a:lumMod val="75000"/>
+                      </a:schemeClr>
+                    </a:solidFill>
+                    <a:latin typeface="BIZ UDPGothic" panose="020B0400000000000000" pitchFamily="34" charset="-128"/>
+                    <a:ea typeface="BIZ UDPGothic" panose="020B0400000000000000" pitchFamily="34" charset="-128"/>
+                  </a:rPr>
+                  <a:t>固定費</a:t>
+                </a:r>
+                <a:r>
+                  <a:rPr kumimoji="1" lang="en-US" altLang="ja-JP" sz="2000" b="1" dirty="0">
+                    <a:solidFill>
+                      <a:schemeClr val="accent6">
+                        <a:lumMod val="75000"/>
+                      </a:schemeClr>
+                    </a:solidFill>
+                    <a:latin typeface="BIZ UDPGothic" panose="020B0400000000000000" pitchFamily="34" charset="-128"/>
+                    <a:ea typeface="BIZ UDPGothic" panose="020B0400000000000000" pitchFamily="34" charset="-128"/>
+                  </a:rPr>
+                  <a:t> </a:t>
+                </a:r>
+                <a14:m>
+                  <m:oMath xmlns:m="http://schemas.openxmlformats.org/officeDocument/2006/math">
+                    <m:r>
+                      <a:rPr lang="en-US" altLang="ja-JP" sz="2000" b="1" i="1" smtClean="0">
+                        <a:solidFill>
+                          <a:schemeClr val="accent6">
+                            <a:lumMod val="75000"/>
+                          </a:schemeClr>
+                        </a:solidFill>
+                        <a:latin typeface="Cambria Math" panose="02040503050406030204" pitchFamily="18" charset="0"/>
+                        <a:ea typeface="BIZ UDPGothic" panose="020B0400000000000000" pitchFamily="34" charset="-128"/>
+                      </a:rPr>
+                      <m:t>𝑭</m:t>
+                    </m:r>
+                  </m:oMath>
+                </a14:m>
+                <a:endParaRPr kumimoji="1" lang="ja-JP" altLang="en-US" sz="2000" b="1">
+                  <a:solidFill>
+                    <a:schemeClr val="accent6">
+                      <a:lumMod val="75000"/>
+                    </a:schemeClr>
+                  </a:solidFill>
+                  <a:latin typeface="BIZ UDPGothic" panose="020B0400000000000000" pitchFamily="34" charset="-128"/>
+                  <a:ea typeface="BIZ UDPGothic" panose="020B0400000000000000" pitchFamily="34" charset="-128"/>
+                </a:endParaRPr>
+              </a:p>
+            </p:txBody>
+          </p:sp>
+        </mc:Choice>
+        <mc:Fallback xmlns="">
+          <p:sp>
+            <p:nvSpPr>
+              <p:cNvPr id="37" name="テキスト ボックス 36">
+                <a:extLst>
+                  <a:ext uri="{FF2B5EF4-FFF2-40B4-BE49-F238E27FC236}">
+                    <a16:creationId xmlns:a16="http://schemas.microsoft.com/office/drawing/2014/main" id="{A65AA365-1ADF-892D-0D60-24C2714D2BEC}"/>
+                  </a:ext>
+                </a:extLst>
+              </p:cNvPr>
+              <p:cNvSpPr txBox="1">
+                <a:spLocks noRot="1" noChangeAspect="1" noMove="1" noResize="1" noEditPoints="1" noAdjustHandles="1" noChangeArrowheads="1" noChangeShapeType="1" noTextEdit="1"/>
+              </p:cNvSpPr>
+              <p:nvPr/>
+            </p:nvSpPr>
+            <p:spPr>
+              <a:xfrm>
+                <a:off x="8884137" y="5138347"/>
+                <a:ext cx="1352392" cy="400110"/>
+              </a:xfrm>
+              <a:prstGeom prst="rect">
+                <a:avLst/>
+              </a:prstGeom>
+              <a:blipFill>
+                <a:blip r:embed="rId2"/>
+                <a:stretch>
+                  <a:fillRect l="-4673" t="-12121" b="-21212"/>
+                </a:stretch>
+              </a:blipFill>
+            </p:spPr>
+            <p:txBody>
+              <a:bodyPr/>
+              <a:lstStyle/>
+              <a:p>
+                <a:r>
+                  <a:rPr lang="ja-JP" altLang="en-US">
+                    <a:noFill/>
+                  </a:rPr>
+                  <a:t> </a:t>
+                </a:r>
+              </a:p>
+            </p:txBody>
+          </p:sp>
+        </mc:Fallback>
+      </mc:AlternateContent>
+      <mc:AlternateContent xmlns:mc="http://schemas.openxmlformats.org/markup-compatibility/2006" xmlns:a14="http://schemas.microsoft.com/office/drawing/2010/main">
+        <mc:Choice Requires="a14">
+          <p:sp>
+            <p:nvSpPr>
+              <p:cNvPr id="38" name="テキスト ボックス 37">
+                <a:extLst>
+                  <a:ext uri="{FF2B5EF4-FFF2-40B4-BE49-F238E27FC236}">
+                    <a16:creationId xmlns:a16="http://schemas.microsoft.com/office/drawing/2014/main" id="{3791DF69-108C-4AD7-1FD3-6FDD18934DCB}"/>
+                  </a:ext>
+                </a:extLst>
+              </p:cNvPr>
+              <p:cNvSpPr txBox="1"/>
+              <p:nvPr/>
+            </p:nvSpPr>
+            <p:spPr>
+              <a:xfrm>
+                <a:off x="8884137" y="3418694"/>
+                <a:ext cx="1625524" cy="400110"/>
+              </a:xfrm>
+              <a:prstGeom prst="rect">
+                <a:avLst/>
+              </a:prstGeom>
+              <a:noFill/>
+            </p:spPr>
+            <p:txBody>
+              <a:bodyPr wrap="square" rtlCol="0">
+                <a:spAutoFit/>
+              </a:bodyPr>
+              <a:lstStyle/>
+              <a:p>
+                <a:r>
+                  <a:rPr lang="ja-JP" altLang="en-US" sz="2000" b="1">
+                    <a:solidFill>
+                      <a:schemeClr val="accent1">
+                        <a:lumMod val="75000"/>
+                      </a:schemeClr>
+                    </a:solidFill>
+                    <a:latin typeface="BIZ UDPGothic" panose="020B0400000000000000" pitchFamily="34" charset="-128"/>
+                    <a:ea typeface="BIZ UDPGothic" panose="020B0400000000000000" pitchFamily="34" charset="-128"/>
+                  </a:rPr>
+                  <a:t>変動</a:t>
+                </a:r>
+                <a:r>
+                  <a:rPr kumimoji="1" lang="ja-JP" altLang="en-US" sz="2000" b="1">
+                    <a:solidFill>
+                      <a:schemeClr val="accent1">
+                        <a:lumMod val="75000"/>
+                      </a:schemeClr>
+                    </a:solidFill>
+                    <a:latin typeface="BIZ UDPGothic" panose="020B0400000000000000" pitchFamily="34" charset="-128"/>
+                    <a:ea typeface="BIZ UDPGothic" panose="020B0400000000000000" pitchFamily="34" charset="-128"/>
+                  </a:rPr>
+                  <a:t>費</a:t>
+                </a:r>
+                <a:r>
+                  <a:rPr kumimoji="1" lang="en-US" altLang="ja-JP" sz="2000" b="1" dirty="0">
+                    <a:solidFill>
+                      <a:schemeClr val="accent1">
+                        <a:lumMod val="75000"/>
+                      </a:schemeClr>
+                    </a:solidFill>
+                    <a:latin typeface="BIZ UDPGothic" panose="020B0400000000000000" pitchFamily="34" charset="-128"/>
+                    <a:ea typeface="BIZ UDPGothic" panose="020B0400000000000000" pitchFamily="34" charset="-128"/>
+                  </a:rPr>
+                  <a:t> </a:t>
+                </a:r>
+                <a14:m>
+                  <m:oMath xmlns:m="http://schemas.openxmlformats.org/officeDocument/2006/math">
+                    <m:r>
+                      <a:rPr lang="en-US" altLang="ja-JP" sz="2000" b="1" i="1">
+                        <a:solidFill>
+                          <a:schemeClr val="accent1">
+                            <a:lumMod val="75000"/>
+                          </a:schemeClr>
+                        </a:solidFill>
+                        <a:latin typeface="Cambria Math" panose="02040503050406030204" pitchFamily="18" charset="0"/>
+                        <a:ea typeface="BIZ UDPGothic" panose="020B0400000000000000" pitchFamily="34" charset="-128"/>
+                      </a:rPr>
+                      <m:t>𝑽</m:t>
+                    </m:r>
+                    <m:r>
+                      <a:rPr lang="en-US" altLang="ja-JP" sz="2000" b="1" i="1">
+                        <a:solidFill>
+                          <a:schemeClr val="accent1">
+                            <a:lumMod val="75000"/>
+                          </a:schemeClr>
+                        </a:solidFill>
+                        <a:latin typeface="Cambria Math" panose="02040503050406030204" pitchFamily="18" charset="0"/>
+                        <a:ea typeface="BIZ UDPGothic" panose="020B0400000000000000" pitchFamily="34" charset="-128"/>
+                      </a:rPr>
+                      <m:t>×</m:t>
+                    </m:r>
+                    <m:r>
+                      <a:rPr lang="en-US" altLang="ja-JP" sz="2000" b="1" i="1">
+                        <a:solidFill>
+                          <a:schemeClr val="accent1">
+                            <a:lumMod val="75000"/>
+                          </a:schemeClr>
+                        </a:solidFill>
+                        <a:latin typeface="Cambria Math" panose="02040503050406030204" pitchFamily="18" charset="0"/>
+                        <a:ea typeface="BIZ UDPGothic" panose="020B0400000000000000" pitchFamily="34" charset="-128"/>
+                      </a:rPr>
+                      <m:t>𝑿</m:t>
+                    </m:r>
+                  </m:oMath>
+                </a14:m>
+                <a:r>
+                  <a:rPr kumimoji="1" lang="en-US" altLang="ja-JP" sz="2000" b="1" dirty="0">
+                    <a:solidFill>
+                      <a:schemeClr val="accent1">
+                        <a:lumMod val="75000"/>
+                      </a:schemeClr>
+                    </a:solidFill>
+                    <a:latin typeface="BIZ UDPGothic" panose="020B0400000000000000" pitchFamily="34" charset="-128"/>
+                    <a:ea typeface="BIZ UDPGothic" panose="020B0400000000000000" pitchFamily="34" charset="-128"/>
+                  </a:rPr>
+                  <a:t> </a:t>
+                </a:r>
+                <a:endParaRPr kumimoji="1" lang="ja-JP" altLang="en-US" sz="2000" b="1">
+                  <a:solidFill>
+                    <a:schemeClr val="accent1">
+                      <a:lumMod val="75000"/>
+                    </a:schemeClr>
+                  </a:solidFill>
+                  <a:latin typeface="BIZ UDPGothic" panose="020B0400000000000000" pitchFamily="34" charset="-128"/>
+                  <a:ea typeface="BIZ UDPGothic" panose="020B0400000000000000" pitchFamily="34" charset="-128"/>
+                </a:endParaRPr>
+              </a:p>
+            </p:txBody>
+          </p:sp>
+        </mc:Choice>
+        <mc:Fallback xmlns="">
+          <p:sp>
+            <p:nvSpPr>
+              <p:cNvPr id="38" name="テキスト ボックス 37">
+                <a:extLst>
+                  <a:ext uri="{FF2B5EF4-FFF2-40B4-BE49-F238E27FC236}">
+                    <a16:creationId xmlns:a16="http://schemas.microsoft.com/office/drawing/2014/main" id="{3791DF69-108C-4AD7-1FD3-6FDD18934DCB}"/>
+                  </a:ext>
+                </a:extLst>
+              </p:cNvPr>
+              <p:cNvSpPr txBox="1">
+                <a:spLocks noRot="1" noChangeAspect="1" noMove="1" noResize="1" noEditPoints="1" noAdjustHandles="1" noChangeArrowheads="1" noChangeShapeType="1" noTextEdit="1"/>
+              </p:cNvSpPr>
+              <p:nvPr/>
+            </p:nvSpPr>
+            <p:spPr>
+              <a:xfrm>
+                <a:off x="8884137" y="3418694"/>
+                <a:ext cx="1625524" cy="400110"/>
+              </a:xfrm>
+              <a:prstGeom prst="rect">
+                <a:avLst/>
+              </a:prstGeom>
+              <a:blipFill>
+                <a:blip r:embed="rId3"/>
+                <a:stretch>
+                  <a:fillRect l="-3876" t="-12500" b="-25000"/>
+                </a:stretch>
+              </a:blipFill>
+            </p:spPr>
+            <p:txBody>
+              <a:bodyPr/>
+              <a:lstStyle/>
+              <a:p>
+                <a:r>
+                  <a:rPr lang="ja-JP" altLang="en-US">
+                    <a:noFill/>
+                  </a:rPr>
+                  <a:t> </a:t>
+                </a:r>
+              </a:p>
+            </p:txBody>
+          </p:sp>
+        </mc:Fallback>
+      </mc:AlternateContent>
+      <mc:AlternateContent xmlns:mc="http://schemas.openxmlformats.org/markup-compatibility/2006" xmlns:a14="http://schemas.microsoft.com/office/drawing/2010/main">
+        <mc:Choice Requires="a14">
+          <p:sp>
+            <p:nvSpPr>
+              <p:cNvPr id="40" name="テキスト ボックス 39">
+                <a:extLst>
+                  <a:ext uri="{FF2B5EF4-FFF2-40B4-BE49-F238E27FC236}">
+                    <a16:creationId xmlns:a16="http://schemas.microsoft.com/office/drawing/2014/main" id="{1AF208BF-2535-E074-11D2-E2272480A9B8}"/>
+                  </a:ext>
+                </a:extLst>
+              </p:cNvPr>
+              <p:cNvSpPr txBox="1"/>
+              <p:nvPr/>
+            </p:nvSpPr>
+            <p:spPr>
+              <a:xfrm>
+                <a:off x="9203376" y="5729843"/>
+                <a:ext cx="1150310" cy="707886"/>
+              </a:xfrm>
+              <a:prstGeom prst="rect">
+                <a:avLst/>
+              </a:prstGeom>
+              <a:noFill/>
+            </p:spPr>
+            <p:txBody>
+              <a:bodyPr wrap="square" rtlCol="0">
+                <a:spAutoFit/>
+              </a:bodyPr>
+              <a:lstStyle/>
+              <a:p>
+                <a:r>
+                  <a:rPr kumimoji="1" lang="ja-JP" altLang="en-US" sz="2000" b="1">
+                    <a:latin typeface="BIZ UDPGothic" panose="020B0400000000000000" pitchFamily="34" charset="-128"/>
+                    <a:ea typeface="BIZ UDPGothic" panose="020B0400000000000000" pitchFamily="34" charset="-128"/>
+                  </a:rPr>
+                  <a:t>個数</a:t>
+                </a:r>
+                <a:r>
+                  <a:rPr kumimoji="1" lang="en-US" altLang="ja-JP" sz="2000" b="1" dirty="0">
+                    <a:latin typeface="BIZ UDPGothic" panose="020B0400000000000000" pitchFamily="34" charset="-128"/>
+                    <a:ea typeface="BIZ UDPGothic" panose="020B0400000000000000" pitchFamily="34" charset="-128"/>
+                  </a:rPr>
+                  <a:t> </a:t>
+                </a:r>
+                <a14:m>
+                  <m:oMath xmlns:m="http://schemas.openxmlformats.org/officeDocument/2006/math">
+                    <m:r>
+                      <a:rPr lang="en-US" altLang="ja-JP" sz="2000" b="1" i="1" smtClean="0">
+                        <a:solidFill>
+                          <a:schemeClr val="tx1">
+                            <a:lumMod val="75000"/>
+                            <a:lumOff val="25000"/>
+                          </a:schemeClr>
+                        </a:solidFill>
+                        <a:latin typeface="Cambria Math" panose="02040503050406030204" pitchFamily="18" charset="0"/>
+                        <a:ea typeface="BIZ UDPGothic" panose="020B0400000000000000" pitchFamily="34" charset="-128"/>
+                      </a:rPr>
+                      <m:t>𝑿</m:t>
+                    </m:r>
+                  </m:oMath>
+                </a14:m>
+                <a:endParaRPr kumimoji="1" lang="ja-JP" altLang="en-US" sz="2000" b="1">
+                  <a:solidFill>
+                    <a:srgbClr val="C00000"/>
+                  </a:solidFill>
+                  <a:latin typeface="BIZ UDPGothic" panose="020B0400000000000000" pitchFamily="34" charset="-128"/>
+                  <a:ea typeface="BIZ UDPGothic" panose="020B0400000000000000" pitchFamily="34" charset="-128"/>
+                </a:endParaRPr>
+              </a:p>
+              <a:p>
+                <a:endParaRPr kumimoji="1" lang="ja-JP" altLang="en-US" sz="2000" b="1">
+                  <a:latin typeface="BIZ UDPGothic" panose="020B0400000000000000" pitchFamily="34" charset="-128"/>
+                  <a:ea typeface="BIZ UDPGothic" panose="020B0400000000000000" pitchFamily="34" charset="-128"/>
+                </a:endParaRPr>
+              </a:p>
+            </p:txBody>
+          </p:sp>
+        </mc:Choice>
+        <mc:Fallback xmlns="">
+          <p:sp>
+            <p:nvSpPr>
+              <p:cNvPr id="40" name="テキスト ボックス 39">
+                <a:extLst>
+                  <a:ext uri="{FF2B5EF4-FFF2-40B4-BE49-F238E27FC236}">
+                    <a16:creationId xmlns:a16="http://schemas.microsoft.com/office/drawing/2014/main" id="{1AF208BF-2535-E074-11D2-E2272480A9B8}"/>
+                  </a:ext>
+                </a:extLst>
+              </p:cNvPr>
+              <p:cNvSpPr txBox="1">
+                <a:spLocks noRot="1" noChangeAspect="1" noMove="1" noResize="1" noEditPoints="1" noAdjustHandles="1" noChangeArrowheads="1" noChangeShapeType="1" noTextEdit="1"/>
+              </p:cNvSpPr>
+              <p:nvPr/>
+            </p:nvSpPr>
+            <p:spPr>
+              <a:xfrm>
+                <a:off x="9203376" y="5729843"/>
+                <a:ext cx="1150310" cy="707886"/>
+              </a:xfrm>
+              <a:prstGeom prst="rect">
+                <a:avLst/>
+              </a:prstGeom>
+              <a:blipFill>
+                <a:blip r:embed="rId4"/>
+                <a:stretch>
+                  <a:fillRect l="-5435" t="-7143"/>
+                </a:stretch>
+              </a:blipFill>
+            </p:spPr>
+            <p:txBody>
+              <a:bodyPr/>
+              <a:lstStyle/>
+              <a:p>
+                <a:r>
+                  <a:rPr lang="ja-JP" altLang="en-US">
+                    <a:noFill/>
+                  </a:rPr>
+                  <a:t> </a:t>
+                </a:r>
+              </a:p>
+            </p:txBody>
+          </p:sp>
+        </mc:Fallback>
+      </mc:AlternateContent>
+      <p:sp>
+        <p:nvSpPr>
+          <p:cNvPr id="41" name="テキスト ボックス 40">
+            <a:extLst>
+              <a:ext uri="{FF2B5EF4-FFF2-40B4-BE49-F238E27FC236}">
+                <a16:creationId xmlns:a16="http://schemas.microsoft.com/office/drawing/2014/main" id="{1DDA9BA9-D3DD-E9EF-82CE-58CC47B28ABD}"/>
+              </a:ext>
+            </a:extLst>
+          </p:cNvPr>
+          <p:cNvSpPr txBox="1"/>
+          <p:nvPr/>
+        </p:nvSpPr>
+        <p:spPr>
+          <a:xfrm>
+            <a:off x="1981354" y="686239"/>
+            <a:ext cx="1150310" cy="400110"/>
+          </a:xfrm>
+          <a:prstGeom prst="rect">
+            <a:avLst/>
+          </a:prstGeom>
+          <a:noFill/>
+        </p:spPr>
+        <p:txBody>
+          <a:bodyPr wrap="square" rtlCol="0">
+            <a:spAutoFit/>
+          </a:bodyPr>
+          <a:lstStyle/>
+          <a:p>
+            <a:r>
+              <a:rPr kumimoji="1" lang="ja-JP" altLang="en-US" sz="2000" b="1">
+                <a:latin typeface="BIZ UDPGothic" panose="020B0400000000000000" pitchFamily="34" charset="-128"/>
+                <a:ea typeface="BIZ UDPGothic" panose="020B0400000000000000" pitchFamily="34" charset="-128"/>
+              </a:rPr>
+              <a:t>売上高</a:t>
+            </a:r>
+          </a:p>
+        </p:txBody>
+      </p:sp>
+      <p:sp>
+        <p:nvSpPr>
+          <p:cNvPr id="42" name="テキスト ボックス 41">
+            <a:extLst>
+              <a:ext uri="{FF2B5EF4-FFF2-40B4-BE49-F238E27FC236}">
+                <a16:creationId xmlns:a16="http://schemas.microsoft.com/office/drawing/2014/main" id="{C5DA9A13-C201-12F3-AD23-7B13B61A4B48}"/>
+              </a:ext>
+            </a:extLst>
+          </p:cNvPr>
+          <p:cNvSpPr txBox="1"/>
+          <p:nvPr/>
+        </p:nvSpPr>
+        <p:spPr>
+          <a:xfrm>
+            <a:off x="1886149" y="1003887"/>
+            <a:ext cx="1150310" cy="400110"/>
+          </a:xfrm>
+          <a:prstGeom prst="rect">
+            <a:avLst/>
+          </a:prstGeom>
+          <a:noFill/>
+        </p:spPr>
+        <p:txBody>
+          <a:bodyPr wrap="square" rtlCol="0">
+            <a:spAutoFit/>
+          </a:bodyPr>
+          <a:lstStyle/>
+          <a:p>
+            <a:pPr algn="ctr"/>
+            <a:r>
+              <a:rPr kumimoji="1" lang="ja-JP" altLang="en-US" sz="2000" b="1">
+                <a:latin typeface="BIZ UDPGothic" panose="020B0400000000000000" pitchFamily="34" charset="-128"/>
+                <a:ea typeface="BIZ UDPGothic" panose="020B0400000000000000" pitchFamily="34" charset="-128"/>
+              </a:rPr>
+              <a:t>費用</a:t>
+            </a:r>
+          </a:p>
+        </p:txBody>
+      </p:sp>
+      <mc:AlternateContent xmlns:mc="http://schemas.openxmlformats.org/markup-compatibility/2006" xmlns:a14="http://schemas.microsoft.com/office/drawing/2010/main">
+        <mc:Choice Requires="a14">
+          <p:sp>
+            <p:nvSpPr>
+              <p:cNvPr id="43" name="テキスト ボックス 42">
+                <a:extLst>
+                  <a:ext uri="{FF2B5EF4-FFF2-40B4-BE49-F238E27FC236}">
+                    <a16:creationId xmlns:a16="http://schemas.microsoft.com/office/drawing/2014/main" id="{B87FE29A-7F73-CAA3-5452-F45F4204A7E3}"/>
+                  </a:ext>
+                </a:extLst>
+              </p:cNvPr>
+              <p:cNvSpPr txBox="1"/>
+              <p:nvPr/>
+            </p:nvSpPr>
+            <p:spPr>
+              <a:xfrm>
+                <a:off x="8419601" y="1162384"/>
+                <a:ext cx="2090059" cy="400110"/>
+              </a:xfrm>
+              <a:prstGeom prst="rect">
+                <a:avLst/>
+              </a:prstGeom>
+              <a:noFill/>
+            </p:spPr>
+            <p:txBody>
+              <a:bodyPr wrap="square" rtlCol="0">
+                <a:spAutoFit/>
+              </a:bodyPr>
+              <a:lstStyle/>
+              <a:p>
+                <a:r>
+                  <a:rPr lang="ja-JP" altLang="en-US" sz="2000" b="1">
+                    <a:solidFill>
+                      <a:srgbClr val="C00000"/>
+                    </a:solidFill>
+                    <a:latin typeface="BIZ UDPGothic" panose="020B0400000000000000" pitchFamily="34" charset="-128"/>
+                    <a:ea typeface="BIZ UDPGothic" panose="020B0400000000000000" pitchFamily="34" charset="-128"/>
+                  </a:rPr>
+                  <a:t>売上高</a:t>
+                </a:r>
+                <a14:m>
+                  <m:oMath xmlns:m="http://schemas.openxmlformats.org/officeDocument/2006/math">
+                    <m:r>
+                      <a:rPr lang="en-US" altLang="ja-JP" sz="2000" b="1" i="0" smtClean="0">
+                        <a:solidFill>
+                          <a:srgbClr val="C00000"/>
+                        </a:solidFill>
+                        <a:latin typeface="Cambria Math" panose="02040503050406030204" pitchFamily="18" charset="0"/>
+                        <a:ea typeface="BIZ UDPGothic" panose="020B0400000000000000" pitchFamily="34" charset="-128"/>
+                      </a:rPr>
+                      <m:t> </m:t>
+                    </m:r>
+                    <m:r>
+                      <a:rPr lang="en-US" altLang="ja-JP" sz="2000" b="1" i="1" smtClean="0">
+                        <a:solidFill>
+                          <a:srgbClr val="C00000"/>
+                        </a:solidFill>
+                        <a:latin typeface="Cambria Math" panose="02040503050406030204" pitchFamily="18" charset="0"/>
+                        <a:ea typeface="BIZ UDPGothic" panose="020B0400000000000000" pitchFamily="34" charset="-128"/>
+                      </a:rPr>
+                      <m:t>𝑷</m:t>
+                    </m:r>
+                    <m:r>
+                      <a:rPr lang="en-US" altLang="ja-JP" sz="2000" b="1" i="1" smtClean="0">
+                        <a:solidFill>
+                          <a:srgbClr val="C00000"/>
+                        </a:solidFill>
+                        <a:latin typeface="Cambria Math" panose="02040503050406030204" pitchFamily="18" charset="0"/>
+                        <a:ea typeface="BIZ UDPGothic" panose="020B0400000000000000" pitchFamily="34" charset="-128"/>
+                      </a:rPr>
+                      <m:t>×</m:t>
+                    </m:r>
+                    <m:r>
+                      <a:rPr lang="en-US" altLang="ja-JP" sz="2000" b="1" i="1" smtClean="0">
+                        <a:solidFill>
+                          <a:srgbClr val="C00000"/>
+                        </a:solidFill>
+                        <a:latin typeface="Cambria Math" panose="02040503050406030204" pitchFamily="18" charset="0"/>
+                        <a:ea typeface="BIZ UDPGothic" panose="020B0400000000000000" pitchFamily="34" charset="-128"/>
+                      </a:rPr>
+                      <m:t>𝑿</m:t>
+                    </m:r>
+                  </m:oMath>
+                </a14:m>
+                <a:endParaRPr kumimoji="1" lang="ja-JP" altLang="en-US" sz="2000" b="1">
+                  <a:solidFill>
+                    <a:srgbClr val="C00000"/>
+                  </a:solidFill>
+                  <a:latin typeface="BIZ UDPGothic" panose="020B0400000000000000" pitchFamily="34" charset="-128"/>
+                  <a:ea typeface="BIZ UDPGothic" panose="020B0400000000000000" pitchFamily="34" charset="-128"/>
+                </a:endParaRPr>
+              </a:p>
+            </p:txBody>
+          </p:sp>
+        </mc:Choice>
+        <mc:Fallback xmlns="">
+          <p:sp>
+            <p:nvSpPr>
+              <p:cNvPr id="43" name="テキスト ボックス 42">
+                <a:extLst>
+                  <a:ext uri="{FF2B5EF4-FFF2-40B4-BE49-F238E27FC236}">
+                    <a16:creationId xmlns:a16="http://schemas.microsoft.com/office/drawing/2014/main" id="{B87FE29A-7F73-CAA3-5452-F45F4204A7E3}"/>
+                  </a:ext>
+                </a:extLst>
+              </p:cNvPr>
+              <p:cNvSpPr txBox="1">
+                <a:spLocks noRot="1" noChangeAspect="1" noMove="1" noResize="1" noEditPoints="1" noAdjustHandles="1" noChangeArrowheads="1" noChangeShapeType="1" noTextEdit="1"/>
+              </p:cNvSpPr>
+              <p:nvPr/>
+            </p:nvSpPr>
+            <p:spPr>
+              <a:xfrm>
+                <a:off x="8419601" y="1162384"/>
+                <a:ext cx="2090059" cy="400110"/>
+              </a:xfrm>
+              <a:prstGeom prst="rect">
+                <a:avLst/>
+              </a:prstGeom>
+              <a:blipFill>
+                <a:blip r:embed="rId5"/>
+                <a:stretch>
+                  <a:fillRect l="-2410" t="-12500" b="-25000"/>
+                </a:stretch>
+              </a:blipFill>
+            </p:spPr>
+            <p:txBody>
+              <a:bodyPr/>
+              <a:lstStyle/>
+              <a:p>
+                <a:r>
+                  <a:rPr lang="ja-JP" altLang="en-US">
+                    <a:noFill/>
+                  </a:rPr>
+                  <a:t> </a:t>
+                </a:r>
+              </a:p>
+            </p:txBody>
+          </p:sp>
+        </mc:Fallback>
+      </mc:AlternateContent>
+      <p:sp>
+        <p:nvSpPr>
+          <p:cNvPr id="44" name="テキスト ボックス 43">
+            <a:extLst>
+              <a:ext uri="{FF2B5EF4-FFF2-40B4-BE49-F238E27FC236}">
+                <a16:creationId xmlns:a16="http://schemas.microsoft.com/office/drawing/2014/main" id="{2FB15848-08D2-C910-8EF9-C865AAB2FE2D}"/>
+              </a:ext>
+            </a:extLst>
+          </p:cNvPr>
+          <p:cNvSpPr txBox="1"/>
+          <p:nvPr/>
+        </p:nvSpPr>
+        <p:spPr>
+          <a:xfrm>
+            <a:off x="4294587" y="6032219"/>
+            <a:ext cx="2462793" cy="400110"/>
+          </a:xfrm>
+          <a:prstGeom prst="rect">
+            <a:avLst/>
+          </a:prstGeom>
+          <a:noFill/>
+        </p:spPr>
+        <p:txBody>
+          <a:bodyPr wrap="square" rtlCol="0">
+            <a:spAutoFit/>
+          </a:bodyPr>
+          <a:lstStyle/>
+          <a:p>
+            <a:pPr algn="ctr"/>
+            <a:r>
+              <a:rPr kumimoji="1" lang="ja-JP" altLang="en-US" sz="2000" b="1">
+                <a:latin typeface="BIZ UDPGothic" panose="020B0400000000000000" pitchFamily="34" charset="-128"/>
+                <a:ea typeface="BIZ UDPGothic" panose="020B0400000000000000" pitchFamily="34" charset="-128"/>
+              </a:rPr>
+              <a:t>損益分岐点売上高</a:t>
+            </a:r>
+          </a:p>
+        </p:txBody>
+      </p:sp>
+      <p:sp>
+        <p:nvSpPr>
+          <p:cNvPr id="45" name="円弧 44">
+            <a:extLst>
+              <a:ext uri="{FF2B5EF4-FFF2-40B4-BE49-F238E27FC236}">
+                <a16:creationId xmlns:a16="http://schemas.microsoft.com/office/drawing/2014/main" id="{F367C3E9-795C-5EC1-D29B-CE28A0D4B20A}"/>
+              </a:ext>
+            </a:extLst>
+          </p:cNvPr>
+          <p:cNvSpPr/>
+          <p:nvPr/>
+        </p:nvSpPr>
+        <p:spPr>
+          <a:xfrm>
+            <a:off x="2473334" y="5016882"/>
+            <a:ext cx="1607916" cy="1841118"/>
+          </a:xfrm>
+          <a:prstGeom prst="arc">
+            <a:avLst>
+              <a:gd name="adj1" fmla="val 17286725"/>
+              <a:gd name="adj2" fmla="val 21499947"/>
+            </a:avLst>
+          </a:prstGeom>
+          <a:ln w="12700">
+            <a:solidFill>
+              <a:srgbClr val="C00000"/>
+            </a:solidFill>
+          </a:ln>
+        </p:spPr>
+        <p:style>
+          <a:lnRef idx="1">
+            <a:schemeClr val="accent1"/>
+          </a:lnRef>
+          <a:fillRef idx="0">
+            <a:schemeClr val="accent1"/>
+          </a:fillRef>
+          <a:effectRef idx="0">
+            <a:schemeClr val="accent1"/>
+          </a:effectRef>
+          <a:fontRef idx="minor">
+            <a:schemeClr val="tx1"/>
+          </a:fontRef>
+        </p:style>
+        <p:txBody>
+          <a:bodyPr rtlCol="0" anchor="ctr"/>
+          <a:lstStyle/>
+          <a:p>
+            <a:pPr algn="ctr"/>
+            <a:endParaRPr kumimoji="1" lang="ja-JP" altLang="en-US"/>
+          </a:p>
+        </p:txBody>
+      </p:sp>
+      <mc:AlternateContent xmlns:mc="http://schemas.openxmlformats.org/markup-compatibility/2006" xmlns:a14="http://schemas.microsoft.com/office/drawing/2010/main">
+        <mc:Choice Requires="a14">
+          <p:sp>
+            <p:nvSpPr>
+              <p:cNvPr id="46" name="テキスト ボックス 45">
+                <a:extLst>
+                  <a:ext uri="{FF2B5EF4-FFF2-40B4-BE49-F238E27FC236}">
+                    <a16:creationId xmlns:a16="http://schemas.microsoft.com/office/drawing/2014/main" id="{271AF73F-F842-87E8-8005-ED6A40E8AD3F}"/>
+                  </a:ext>
+                </a:extLst>
+              </p:cNvPr>
+              <p:cNvSpPr txBox="1"/>
+              <p:nvPr/>
+            </p:nvSpPr>
+            <p:spPr>
+              <a:xfrm>
+                <a:off x="3951218" y="5178548"/>
+                <a:ext cx="1808313" cy="369332"/>
+              </a:xfrm>
+              <a:prstGeom prst="rect">
+                <a:avLst/>
+              </a:prstGeom>
+              <a:noFill/>
+            </p:spPr>
+            <p:txBody>
+              <a:bodyPr wrap="square" rtlCol="0">
+                <a:spAutoFit/>
+              </a:bodyPr>
+              <a:lstStyle/>
+              <a:p>
+                <a:r>
+                  <a:rPr lang="en-US" altLang="ja-JP" b="1" dirty="0">
+                    <a:solidFill>
+                      <a:srgbClr val="C00000"/>
+                    </a:solidFill>
+                    <a:latin typeface="BIZ UDPGothic" panose="020B0400000000000000" pitchFamily="34" charset="-128"/>
+                    <a:ea typeface="BIZ UDPGothic" panose="020B0400000000000000" pitchFamily="34" charset="-128"/>
+                  </a:rPr>
+                  <a:t>@</a:t>
+                </a:r>
+                <a:r>
+                  <a:rPr lang="ja-JP" altLang="en-US" b="1">
+                    <a:solidFill>
+                      <a:srgbClr val="C00000"/>
+                    </a:solidFill>
+                    <a:latin typeface="BIZ UDPGothic" panose="020B0400000000000000" pitchFamily="34" charset="-128"/>
+                    <a:ea typeface="BIZ UDPGothic" panose="020B0400000000000000" pitchFamily="34" charset="-128"/>
+                  </a:rPr>
+                  <a:t>販売単価</a:t>
+                </a:r>
+                <a14:m>
+                  <m:oMath xmlns:m="http://schemas.openxmlformats.org/officeDocument/2006/math">
+                    <m:r>
+                      <a:rPr lang="en-US" altLang="ja-JP" sz="1800" b="1" i="0" smtClean="0">
+                        <a:solidFill>
+                          <a:srgbClr val="C00000"/>
+                        </a:solidFill>
+                        <a:latin typeface="Cambria Math" panose="02040503050406030204" pitchFamily="18" charset="0"/>
+                        <a:ea typeface="BIZ UDPGothic" panose="020B0400000000000000" pitchFamily="34" charset="-128"/>
+                      </a:rPr>
+                      <m:t> </m:t>
+                    </m:r>
+                    <m:r>
+                      <a:rPr lang="en-US" altLang="ja-JP" sz="1800" b="1" i="1" smtClean="0">
+                        <a:solidFill>
+                          <a:srgbClr val="C00000"/>
+                        </a:solidFill>
+                        <a:latin typeface="Cambria Math" panose="02040503050406030204" pitchFamily="18" charset="0"/>
+                        <a:ea typeface="BIZ UDPGothic" panose="020B0400000000000000" pitchFamily="34" charset="-128"/>
+                      </a:rPr>
+                      <m:t>𝑷</m:t>
+                    </m:r>
+                  </m:oMath>
+                </a14:m>
+                <a:endParaRPr kumimoji="1" lang="ja-JP" altLang="en-US" b="1">
+                  <a:solidFill>
+                    <a:srgbClr val="C00000"/>
+                  </a:solidFill>
+                  <a:latin typeface="BIZ UDPGothic" panose="020B0400000000000000" pitchFamily="34" charset="-128"/>
+                  <a:ea typeface="BIZ UDPGothic" panose="020B0400000000000000" pitchFamily="34" charset="-128"/>
+                </a:endParaRPr>
+              </a:p>
+            </p:txBody>
+          </p:sp>
+        </mc:Choice>
+        <mc:Fallback xmlns="">
+          <p:sp>
+            <p:nvSpPr>
+              <p:cNvPr id="46" name="テキスト ボックス 45">
+                <a:extLst>
+                  <a:ext uri="{FF2B5EF4-FFF2-40B4-BE49-F238E27FC236}">
+                    <a16:creationId xmlns:a16="http://schemas.microsoft.com/office/drawing/2014/main" id="{271AF73F-F842-87E8-8005-ED6A40E8AD3F}"/>
+                  </a:ext>
+                </a:extLst>
+              </p:cNvPr>
+              <p:cNvSpPr txBox="1">
+                <a:spLocks noRot="1" noChangeAspect="1" noMove="1" noResize="1" noEditPoints="1" noAdjustHandles="1" noChangeArrowheads="1" noChangeShapeType="1" noTextEdit="1"/>
+              </p:cNvSpPr>
+              <p:nvPr/>
+            </p:nvSpPr>
+            <p:spPr>
+              <a:xfrm>
+                <a:off x="3951218" y="5178548"/>
+                <a:ext cx="1808313" cy="369332"/>
+              </a:xfrm>
+              <a:prstGeom prst="rect">
+                <a:avLst/>
+              </a:prstGeom>
+              <a:blipFill>
+                <a:blip r:embed="rId6"/>
+                <a:stretch>
+                  <a:fillRect l="-2797" t="-10000" b="-23333"/>
+                </a:stretch>
+              </a:blipFill>
+            </p:spPr>
+            <p:txBody>
+              <a:bodyPr/>
+              <a:lstStyle/>
+              <a:p>
+                <a:r>
+                  <a:rPr lang="ja-JP" altLang="en-US">
+                    <a:noFill/>
+                  </a:rPr>
+                  <a:t> </a:t>
+                </a:r>
+              </a:p>
+            </p:txBody>
+          </p:sp>
+        </mc:Fallback>
+      </mc:AlternateContent>
+      <p:cxnSp>
+        <p:nvCxnSpPr>
+          <p:cNvPr id="47" name="直線コネクタ 46">
+            <a:extLst>
+              <a:ext uri="{FF2B5EF4-FFF2-40B4-BE49-F238E27FC236}">
+                <a16:creationId xmlns:a16="http://schemas.microsoft.com/office/drawing/2014/main" id="{E627CF19-4152-4E33-ED72-819D93609286}"/>
+              </a:ext>
+            </a:extLst>
+          </p:cNvPr>
+          <p:cNvCxnSpPr>
+            <a:cxnSpLocks/>
+          </p:cNvCxnSpPr>
+          <p:nvPr/>
+        </p:nvCxnSpPr>
+        <p:spPr>
+          <a:xfrm>
+            <a:off x="5974406" y="3418694"/>
+            <a:ext cx="1056107" cy="0"/>
+          </a:xfrm>
+          <a:prstGeom prst="line">
+            <a:avLst/>
+          </a:prstGeom>
+          <a:ln w="19050">
+            <a:solidFill>
+              <a:schemeClr val="tx1">
+                <a:lumMod val="75000"/>
+                <a:lumOff val="25000"/>
+              </a:schemeClr>
+            </a:solidFill>
+          </a:ln>
+        </p:spPr>
+        <p:style>
+          <a:lnRef idx="1">
+            <a:schemeClr val="accent1"/>
+          </a:lnRef>
+          <a:fillRef idx="0">
+            <a:schemeClr val="accent1"/>
+          </a:fillRef>
+          <a:effectRef idx="0">
+            <a:schemeClr val="accent1"/>
+          </a:effectRef>
+          <a:fontRef idx="minor">
+            <a:schemeClr val="tx1"/>
+          </a:fontRef>
+        </p:style>
+      </p:cxnSp>
+      <p:sp>
+        <p:nvSpPr>
+          <p:cNvPr id="51" name="円弧 50">
+            <a:extLst>
+              <a:ext uri="{FF2B5EF4-FFF2-40B4-BE49-F238E27FC236}">
+                <a16:creationId xmlns:a16="http://schemas.microsoft.com/office/drawing/2014/main" id="{FABF6586-E592-94F7-2CFF-5868968E3247}"/>
+              </a:ext>
+            </a:extLst>
+          </p:cNvPr>
+          <p:cNvSpPr/>
+          <p:nvPr/>
+        </p:nvSpPr>
+        <p:spPr>
+          <a:xfrm>
+            <a:off x="5529939" y="2871127"/>
+            <a:ext cx="1193326" cy="1124663"/>
+          </a:xfrm>
+          <a:prstGeom prst="arc">
+            <a:avLst>
+              <a:gd name="adj1" fmla="val 19930395"/>
+              <a:gd name="adj2" fmla="val 21499947"/>
+            </a:avLst>
+          </a:prstGeom>
+          <a:ln w="19050">
+            <a:solidFill>
+              <a:schemeClr val="accent1">
+                <a:lumMod val="75000"/>
+              </a:schemeClr>
+            </a:solidFill>
+          </a:ln>
+        </p:spPr>
+        <p:style>
+          <a:lnRef idx="1">
+            <a:schemeClr val="accent1"/>
+          </a:lnRef>
+          <a:fillRef idx="0">
+            <a:schemeClr val="accent1"/>
+          </a:fillRef>
+          <a:effectRef idx="0">
+            <a:schemeClr val="accent1"/>
+          </a:effectRef>
+          <a:fontRef idx="minor">
+            <a:schemeClr val="tx1"/>
+          </a:fontRef>
+        </p:style>
+        <p:txBody>
+          <a:bodyPr rtlCol="0" anchor="ctr"/>
+          <a:lstStyle/>
+          <a:p>
+            <a:pPr algn="ctr"/>
+            <a:endParaRPr kumimoji="1" lang="ja-JP" altLang="en-US"/>
+          </a:p>
+        </p:txBody>
+      </p:sp>
+      <mc:AlternateContent xmlns:mc="http://schemas.openxmlformats.org/markup-compatibility/2006">
+        <mc:Choice xmlns:a14="http://schemas.microsoft.com/office/drawing/2010/main" Requires="a14">
+          <p:sp>
+            <p:nvSpPr>
+              <p:cNvPr id="52" name="テキスト ボックス 51">
+                <a:extLst>
+                  <a:ext uri="{FF2B5EF4-FFF2-40B4-BE49-F238E27FC236}">
+                    <a16:creationId xmlns:a16="http://schemas.microsoft.com/office/drawing/2014/main" id="{E99637D8-CE6C-3D60-75C8-9D7C4CD3DE49}"/>
+                  </a:ext>
+                </a:extLst>
+              </p:cNvPr>
+              <p:cNvSpPr txBox="1"/>
+              <p:nvPr/>
+            </p:nvSpPr>
+            <p:spPr>
+              <a:xfrm>
+                <a:off x="6667277" y="3064126"/>
+                <a:ext cx="1808313" cy="369332"/>
+              </a:xfrm>
+              <a:prstGeom prst="rect">
+                <a:avLst/>
+              </a:prstGeom>
+              <a:noFill/>
+            </p:spPr>
+            <p:txBody>
+              <a:bodyPr wrap="square" rtlCol="0">
+                <a:spAutoFit/>
+              </a:bodyPr>
+              <a:lstStyle/>
+              <a:p>
+                <a:r>
+                  <a:rPr lang="en-US" altLang="ja-JP" b="1" dirty="0">
+                    <a:solidFill>
+                      <a:schemeClr val="accent1">
+                        <a:lumMod val="75000"/>
+                      </a:schemeClr>
+                    </a:solidFill>
+                    <a:latin typeface="BIZ UDPGothic" panose="020B0400000000000000" pitchFamily="34" charset="-128"/>
+                    <a:ea typeface="BIZ UDPGothic" panose="020B0400000000000000" pitchFamily="34" charset="-128"/>
+                  </a:rPr>
+                  <a:t>@</a:t>
+                </a:r>
+                <a:r>
+                  <a:rPr lang="ja-JP" altLang="en-US" b="1">
+                    <a:solidFill>
+                      <a:schemeClr val="accent1">
+                        <a:lumMod val="75000"/>
+                      </a:schemeClr>
+                    </a:solidFill>
+                    <a:latin typeface="BIZ UDPGothic" panose="020B0400000000000000" pitchFamily="34" charset="-128"/>
+                    <a:ea typeface="BIZ UDPGothic" panose="020B0400000000000000" pitchFamily="34" charset="-128"/>
+                  </a:rPr>
+                  <a:t>変動費率</a:t>
+                </a:r>
+                <a14:m>
+                  <m:oMath xmlns:m="http://schemas.openxmlformats.org/officeDocument/2006/math">
+                    <m:r>
+                      <a:rPr lang="en-US" altLang="ja-JP" sz="1800" b="1" i="0" smtClean="0">
+                        <a:solidFill>
+                          <a:schemeClr val="accent1">
+                            <a:lumMod val="75000"/>
+                          </a:schemeClr>
+                        </a:solidFill>
+                        <a:latin typeface="Cambria Math" panose="02040503050406030204" pitchFamily="18" charset="0"/>
+                        <a:ea typeface="BIZ UDPGothic" panose="020B0400000000000000" pitchFamily="34" charset="-128"/>
+                      </a:rPr>
+                      <m:t> </m:t>
+                    </m:r>
+                    <m:r>
+                      <a:rPr lang="en-US" altLang="ja-JP" sz="1800" b="1" i="1" smtClean="0">
+                        <a:solidFill>
+                          <a:schemeClr val="accent1">
+                            <a:lumMod val="75000"/>
+                          </a:schemeClr>
+                        </a:solidFill>
+                        <a:latin typeface="Cambria Math" panose="02040503050406030204" pitchFamily="18" charset="0"/>
+                        <a:ea typeface="BIZ UDPGothic" panose="020B0400000000000000" pitchFamily="34" charset="-128"/>
+                      </a:rPr>
+                      <m:t>𝑽</m:t>
+                    </m:r>
+                  </m:oMath>
+                </a14:m>
+                <a:endParaRPr kumimoji="1" lang="ja-JP" altLang="en-US" b="1">
+                  <a:solidFill>
+                    <a:schemeClr val="accent1">
+                      <a:lumMod val="75000"/>
+                    </a:schemeClr>
+                  </a:solidFill>
+                  <a:latin typeface="BIZ UDPGothic" panose="020B0400000000000000" pitchFamily="34" charset="-128"/>
+                  <a:ea typeface="BIZ UDPGothic" panose="020B0400000000000000" pitchFamily="34" charset="-128"/>
+                </a:endParaRPr>
+              </a:p>
+            </p:txBody>
+          </p:sp>
+        </mc:Choice>
+        <mc:Fallback>
+          <p:sp>
+            <p:nvSpPr>
+              <p:cNvPr id="52" name="テキスト ボックス 51">
+                <a:extLst>
+                  <a:ext uri="{FF2B5EF4-FFF2-40B4-BE49-F238E27FC236}">
+                    <a16:creationId xmlns:a16="http://schemas.microsoft.com/office/drawing/2014/main" id="{E99637D8-CE6C-3D60-75C8-9D7C4CD3DE49}"/>
+                  </a:ext>
+                </a:extLst>
+              </p:cNvPr>
+              <p:cNvSpPr txBox="1">
+                <a:spLocks noRot="1" noChangeAspect="1" noMove="1" noResize="1" noEditPoints="1" noAdjustHandles="1" noChangeArrowheads="1" noChangeShapeType="1" noTextEdit="1"/>
+              </p:cNvSpPr>
+              <p:nvPr/>
+            </p:nvSpPr>
+            <p:spPr>
+              <a:xfrm>
+                <a:off x="6667277" y="3064126"/>
+                <a:ext cx="1808313" cy="369332"/>
+              </a:xfrm>
+              <a:prstGeom prst="rect">
+                <a:avLst/>
+              </a:prstGeom>
+              <a:blipFill>
+                <a:blip r:embed="rId7"/>
+                <a:stretch>
+                  <a:fillRect l="-3497" t="-10000" b="-20000"/>
+                </a:stretch>
+              </a:blipFill>
+            </p:spPr>
+            <p:txBody>
+              <a:bodyPr/>
+              <a:lstStyle/>
+              <a:p>
+                <a:r>
+                  <a:rPr lang="ja-JP" altLang="en-US">
+                    <a:noFill/>
+                  </a:rPr>
+                  <a:t> </a:t>
+                </a:r>
+              </a:p>
+            </p:txBody>
+          </p:sp>
+        </mc:Fallback>
+      </mc:AlternateContent>
+      <mc:AlternateContent xmlns:mc="http://schemas.openxmlformats.org/markup-compatibility/2006" xmlns:a14="http://schemas.microsoft.com/office/drawing/2010/main">
+        <mc:Choice Requires="a14">
+          <p:sp>
+            <p:nvSpPr>
+              <p:cNvPr id="54" name="テキスト ボックス 53">
+                <a:extLst>
+                  <a:ext uri="{FF2B5EF4-FFF2-40B4-BE49-F238E27FC236}">
+                    <a16:creationId xmlns:a16="http://schemas.microsoft.com/office/drawing/2014/main" id="{BACC5583-7E0E-113D-A331-5B40E2CDE946}"/>
+                  </a:ext>
+                </a:extLst>
+              </p:cNvPr>
+              <p:cNvSpPr txBox="1"/>
+              <p:nvPr/>
+            </p:nvSpPr>
+            <p:spPr>
+              <a:xfrm>
+                <a:off x="8871663" y="2286735"/>
+                <a:ext cx="2090059" cy="400110"/>
+              </a:xfrm>
+              <a:prstGeom prst="rect">
+                <a:avLst/>
+              </a:prstGeom>
+              <a:noFill/>
+            </p:spPr>
+            <p:txBody>
+              <a:bodyPr wrap="square" rtlCol="0">
+                <a:spAutoFit/>
+              </a:bodyPr>
+              <a:lstStyle/>
+              <a:p>
+                <a:r>
+                  <a:rPr lang="ja-JP" altLang="en-US" sz="2000" b="1">
+                    <a:solidFill>
+                      <a:schemeClr val="accent1">
+                        <a:lumMod val="75000"/>
+                      </a:schemeClr>
+                    </a:solidFill>
+                    <a:latin typeface="BIZ UDPGothic" panose="020B0400000000000000" pitchFamily="34" charset="-128"/>
+                    <a:ea typeface="BIZ UDPGothic" panose="020B0400000000000000" pitchFamily="34" charset="-128"/>
+                  </a:rPr>
+                  <a:t>総費用</a:t>
+                </a:r>
+                <a:r>
+                  <a:rPr kumimoji="1" lang="en-US" altLang="ja-JP" sz="2000" b="1" dirty="0">
+                    <a:solidFill>
+                      <a:schemeClr val="accent1">
+                        <a:lumMod val="75000"/>
+                      </a:schemeClr>
+                    </a:solidFill>
+                    <a:latin typeface="BIZ UDPGothic" panose="020B0400000000000000" pitchFamily="34" charset="-128"/>
+                    <a:ea typeface="BIZ UDPGothic" panose="020B0400000000000000" pitchFamily="34" charset="-128"/>
+                  </a:rPr>
+                  <a:t> </a:t>
+                </a:r>
+                <a14:m>
+                  <m:oMath xmlns:m="http://schemas.openxmlformats.org/officeDocument/2006/math">
+                    <m:r>
+                      <a:rPr lang="en-US" altLang="ja-JP" sz="2000" b="1" i="1">
+                        <a:solidFill>
+                          <a:schemeClr val="accent1">
+                            <a:lumMod val="75000"/>
+                          </a:schemeClr>
+                        </a:solidFill>
+                        <a:latin typeface="Cambria Math" panose="02040503050406030204" pitchFamily="18" charset="0"/>
+                        <a:ea typeface="BIZ UDPGothic" panose="020B0400000000000000" pitchFamily="34" charset="-128"/>
+                      </a:rPr>
+                      <m:t>𝑽</m:t>
+                    </m:r>
+                    <m:r>
+                      <a:rPr lang="en-US" altLang="ja-JP" sz="2000" b="1" i="1">
+                        <a:solidFill>
+                          <a:schemeClr val="accent1">
+                            <a:lumMod val="75000"/>
+                          </a:schemeClr>
+                        </a:solidFill>
+                        <a:latin typeface="Cambria Math" panose="02040503050406030204" pitchFamily="18" charset="0"/>
+                        <a:ea typeface="BIZ UDPGothic" panose="020B0400000000000000" pitchFamily="34" charset="-128"/>
+                      </a:rPr>
+                      <m:t>×</m:t>
+                    </m:r>
+                    <m:r>
+                      <a:rPr lang="en-US" altLang="ja-JP" sz="2000" b="1" i="1">
+                        <a:solidFill>
+                          <a:schemeClr val="accent1">
+                            <a:lumMod val="75000"/>
+                          </a:schemeClr>
+                        </a:solidFill>
+                        <a:latin typeface="Cambria Math" panose="02040503050406030204" pitchFamily="18" charset="0"/>
+                        <a:ea typeface="BIZ UDPGothic" panose="020B0400000000000000" pitchFamily="34" charset="-128"/>
+                      </a:rPr>
+                      <m:t>𝑿</m:t>
+                    </m:r>
+                    <m:r>
+                      <a:rPr lang="en-US" altLang="ja-JP" sz="2000" b="1" i="1" smtClean="0">
+                        <a:solidFill>
+                          <a:schemeClr val="accent1">
+                            <a:lumMod val="75000"/>
+                          </a:schemeClr>
+                        </a:solidFill>
+                        <a:latin typeface="Cambria Math" panose="02040503050406030204" pitchFamily="18" charset="0"/>
+                        <a:ea typeface="BIZ UDPGothic" panose="020B0400000000000000" pitchFamily="34" charset="-128"/>
+                      </a:rPr>
+                      <m:t>+</m:t>
+                    </m:r>
+                    <m:r>
+                      <a:rPr lang="en-US" altLang="ja-JP" sz="2000" b="1" i="1" smtClean="0">
+                        <a:solidFill>
+                          <a:schemeClr val="accent1">
+                            <a:lumMod val="75000"/>
+                          </a:schemeClr>
+                        </a:solidFill>
+                        <a:latin typeface="Cambria Math" panose="02040503050406030204" pitchFamily="18" charset="0"/>
+                        <a:ea typeface="BIZ UDPGothic" panose="020B0400000000000000" pitchFamily="34" charset="-128"/>
+                      </a:rPr>
+                      <m:t>𝑭</m:t>
+                    </m:r>
+                  </m:oMath>
+                </a14:m>
+                <a:r>
+                  <a:rPr kumimoji="1" lang="en-US" altLang="ja-JP" sz="2000" b="1" dirty="0">
+                    <a:solidFill>
+                      <a:schemeClr val="accent1">
+                        <a:lumMod val="75000"/>
+                      </a:schemeClr>
+                    </a:solidFill>
+                    <a:latin typeface="BIZ UDPGothic" panose="020B0400000000000000" pitchFamily="34" charset="-128"/>
+                    <a:ea typeface="BIZ UDPGothic" panose="020B0400000000000000" pitchFamily="34" charset="-128"/>
+                  </a:rPr>
+                  <a:t> </a:t>
+                </a:r>
+                <a:endParaRPr kumimoji="1" lang="ja-JP" altLang="en-US" sz="2000" b="1">
+                  <a:solidFill>
+                    <a:schemeClr val="accent1">
+                      <a:lumMod val="75000"/>
+                    </a:schemeClr>
+                  </a:solidFill>
+                  <a:latin typeface="BIZ UDPGothic" panose="020B0400000000000000" pitchFamily="34" charset="-128"/>
+                  <a:ea typeface="BIZ UDPGothic" panose="020B0400000000000000" pitchFamily="34" charset="-128"/>
+                </a:endParaRPr>
+              </a:p>
+            </p:txBody>
+          </p:sp>
+        </mc:Choice>
+        <mc:Fallback xmlns="">
+          <p:sp>
+            <p:nvSpPr>
+              <p:cNvPr id="54" name="テキスト ボックス 53">
+                <a:extLst>
+                  <a:ext uri="{FF2B5EF4-FFF2-40B4-BE49-F238E27FC236}">
+                    <a16:creationId xmlns:a16="http://schemas.microsoft.com/office/drawing/2014/main" id="{BACC5583-7E0E-113D-A331-5B40E2CDE946}"/>
+                  </a:ext>
+                </a:extLst>
+              </p:cNvPr>
+              <p:cNvSpPr txBox="1">
+                <a:spLocks noRot="1" noChangeAspect="1" noMove="1" noResize="1" noEditPoints="1" noAdjustHandles="1" noChangeArrowheads="1" noChangeShapeType="1" noTextEdit="1"/>
+              </p:cNvSpPr>
+              <p:nvPr/>
+            </p:nvSpPr>
+            <p:spPr>
+              <a:xfrm>
+                <a:off x="8871663" y="2286735"/>
+                <a:ext cx="2090059" cy="400110"/>
+              </a:xfrm>
+              <a:prstGeom prst="rect">
+                <a:avLst/>
+              </a:prstGeom>
+              <a:blipFill>
+                <a:blip r:embed="rId8"/>
+                <a:stretch>
+                  <a:fillRect l="-3012" t="-12500" b="-21875"/>
+                </a:stretch>
+              </a:blipFill>
+            </p:spPr>
+            <p:txBody>
+              <a:bodyPr/>
+              <a:lstStyle/>
+              <a:p>
+                <a:r>
+                  <a:rPr lang="ja-JP" altLang="en-US">
+                    <a:noFill/>
+                  </a:rPr>
+                  <a:t> </a:t>
+                </a:r>
+              </a:p>
+            </p:txBody>
+          </p:sp>
+        </mc:Fallback>
+      </mc:AlternateContent>
+      <p:sp>
+        <p:nvSpPr>
+          <p:cNvPr id="55" name="テキスト ボックス 54">
+            <a:extLst>
+              <a:ext uri="{FF2B5EF4-FFF2-40B4-BE49-F238E27FC236}">
+                <a16:creationId xmlns:a16="http://schemas.microsoft.com/office/drawing/2014/main" id="{F3C34B7E-AE8B-9E63-19D0-0CD4283129C5}"/>
+              </a:ext>
+            </a:extLst>
+          </p:cNvPr>
+          <p:cNvSpPr txBox="1"/>
+          <p:nvPr/>
+        </p:nvSpPr>
+        <p:spPr>
+          <a:xfrm>
+            <a:off x="3911312" y="2594735"/>
+            <a:ext cx="1496648" cy="400110"/>
+          </a:xfrm>
+          <a:prstGeom prst="rect">
+            <a:avLst/>
+          </a:prstGeom>
+          <a:noFill/>
+        </p:spPr>
+        <p:txBody>
+          <a:bodyPr wrap="square" rtlCol="0">
+            <a:spAutoFit/>
+          </a:bodyPr>
+          <a:lstStyle/>
+          <a:p>
+            <a:r>
+              <a:rPr lang="ja-JP" altLang="en-US" sz="2000" b="1">
+                <a:solidFill>
+                  <a:srgbClr val="C00000"/>
+                </a:solidFill>
+                <a:latin typeface="BIZ UDPGothic" panose="020B0400000000000000" pitchFamily="34" charset="-128"/>
+                <a:ea typeface="BIZ UDPGothic" panose="020B0400000000000000" pitchFamily="34" charset="-128"/>
+              </a:rPr>
+              <a:t>損益分岐点</a:t>
+            </a:r>
+            <a:endParaRPr kumimoji="1" lang="ja-JP" altLang="en-US" sz="2000" b="1">
+              <a:solidFill>
+                <a:srgbClr val="C00000"/>
+              </a:solidFill>
+              <a:latin typeface="BIZ UDPGothic" panose="020B0400000000000000" pitchFamily="34" charset="-128"/>
+              <a:ea typeface="BIZ UDPGothic" panose="020B0400000000000000" pitchFamily="34" charset="-128"/>
+            </a:endParaRPr>
+          </a:p>
+        </p:txBody>
+      </p:sp>
+      <p:cxnSp>
+        <p:nvCxnSpPr>
+          <p:cNvPr id="56" name="直線コネクタ 55">
+            <a:extLst>
+              <a:ext uri="{FF2B5EF4-FFF2-40B4-BE49-F238E27FC236}">
+                <a16:creationId xmlns:a16="http://schemas.microsoft.com/office/drawing/2014/main" id="{298883E3-B733-76C7-1574-B1FA250EC946}"/>
+              </a:ext>
+            </a:extLst>
+          </p:cNvPr>
+          <p:cNvCxnSpPr>
+            <a:cxnSpLocks/>
+            <a:stCxn id="55" idx="2"/>
+          </p:cNvCxnSpPr>
+          <p:nvPr/>
+        </p:nvCxnSpPr>
+        <p:spPr>
+          <a:xfrm>
+            <a:off x="4659636" y="2994845"/>
+            <a:ext cx="780594" cy="512765"/>
+          </a:xfrm>
+          <a:prstGeom prst="line">
+            <a:avLst/>
+          </a:prstGeom>
+          <a:ln w="12700">
+            <a:solidFill>
+              <a:schemeClr val="tx1">
+                <a:lumMod val="75000"/>
+                <a:lumOff val="25000"/>
+              </a:schemeClr>
+            </a:solidFill>
+          </a:ln>
+        </p:spPr>
+        <p:style>
+          <a:lnRef idx="1">
+            <a:schemeClr val="accent1"/>
+          </a:lnRef>
+          <a:fillRef idx="0">
+            <a:schemeClr val="accent1"/>
+          </a:fillRef>
+          <a:effectRef idx="0">
+            <a:schemeClr val="accent1"/>
+          </a:effectRef>
+          <a:fontRef idx="minor">
+            <a:schemeClr val="tx1"/>
+          </a:fontRef>
+        </p:style>
+      </p:cxnSp>
+    </p:spTree>
+    <p:extLst>
+      <p:ext uri="{BB962C8B-B14F-4D97-AF65-F5344CB8AC3E}">
+        <p14:creationId xmlns:p14="http://schemas.microsoft.com/office/powerpoint/2010/main" val="3670818816"/>
+      </p:ext>
+    </p:extLst>
+  </p:cSld>
+  <p:clrMapOvr>
+    <a:masterClrMapping/>
+  </p:clrMapOvr>
+</p:sld>
+</file>
+
+<file path=ppt/slides/slide3.xml><?xml version="1.0" encoding="utf-8"?>
+<p:sld xmlns:a="http://schemas.openxmlformats.org/drawingml/2006/main" xmlns:r="http://schemas.openxmlformats.org/officeDocument/2006/relationships" xmlns:p="http://schemas.openxmlformats.org/presentationml/2006/main">
+  <p:cSld>
+    <p:spTree>
+      <p:nvGrpSpPr>
+        <p:cNvPr id="1" name="">
+          <a:extLst>
+            <a:ext uri="{FF2B5EF4-FFF2-40B4-BE49-F238E27FC236}">
+              <a16:creationId xmlns:a16="http://schemas.microsoft.com/office/drawing/2014/main" id="{607AD00A-D2CC-FC8A-B864-B815AAE648D1}"/>
+            </a:ext>
+          </a:extLst>
+        </p:cNvPr>
+        <p:cNvGrpSpPr/>
+        <p:nvPr/>
+      </p:nvGrpSpPr>
+      <p:grpSpPr>
+        <a:xfrm>
+          <a:off x="0" y="0"/>
+          <a:ext cx="0" cy="0"/>
+          <a:chOff x="0" y="0"/>
+          <a:chExt cx="0" cy="0"/>
+        </a:xfrm>
+      </p:grpSpPr>
+      <p:cxnSp>
+        <p:nvCxnSpPr>
+          <p:cNvPr id="5" name="直線矢印コネクタ 4">
+            <a:extLst>
+              <a:ext uri="{FF2B5EF4-FFF2-40B4-BE49-F238E27FC236}">
+                <a16:creationId xmlns:a16="http://schemas.microsoft.com/office/drawing/2014/main" id="{36CEAFDF-60F0-8EB9-5CC7-1F4335B16973}"/>
+              </a:ext>
+            </a:extLst>
+          </p:cNvPr>
+          <p:cNvCxnSpPr/>
+          <p:nvPr/>
+        </p:nvCxnSpPr>
+        <p:spPr>
+          <a:xfrm flipV="1">
+            <a:off x="2902649" y="1388723"/>
+            <a:ext cx="0" cy="4541177"/>
+          </a:xfrm>
+          <a:prstGeom prst="straightConnector1">
+            <a:avLst/>
+          </a:prstGeom>
+          <a:ln w="28575" cap="sq">
+            <a:solidFill>
+              <a:schemeClr val="tx1">
+                <a:lumMod val="75000"/>
+                <a:lumOff val="25000"/>
+              </a:schemeClr>
+            </a:solidFill>
+            <a:bevel/>
+            <a:tailEnd type="triangle"/>
+          </a:ln>
+        </p:spPr>
+        <p:style>
+          <a:lnRef idx="1">
+            <a:schemeClr val="accent1"/>
+          </a:lnRef>
+          <a:fillRef idx="0">
+            <a:schemeClr val="accent1"/>
+          </a:fillRef>
+          <a:effectRef idx="0">
+            <a:schemeClr val="accent1"/>
+          </a:effectRef>
+          <a:fontRef idx="minor">
+            <a:schemeClr val="tx1"/>
+          </a:fontRef>
+        </p:style>
+      </p:cxnSp>
+      <p:cxnSp>
+        <p:nvCxnSpPr>
+          <p:cNvPr id="6" name="直線矢印コネクタ 5">
+            <a:extLst>
+              <a:ext uri="{FF2B5EF4-FFF2-40B4-BE49-F238E27FC236}">
+                <a16:creationId xmlns:a16="http://schemas.microsoft.com/office/drawing/2014/main" id="{164FC96C-6318-EAEC-8C8D-85E5E58539B4}"/>
+              </a:ext>
+            </a:extLst>
+          </p:cNvPr>
+          <p:cNvCxnSpPr>
+            <a:cxnSpLocks/>
+          </p:cNvCxnSpPr>
+          <p:nvPr/>
+        </p:nvCxnSpPr>
+        <p:spPr>
+          <a:xfrm>
+            <a:off x="2341085" y="5539482"/>
+            <a:ext cx="5816596" cy="0"/>
+          </a:xfrm>
+          <a:prstGeom prst="straightConnector1">
+            <a:avLst/>
+          </a:prstGeom>
+          <a:ln w="28575">
+            <a:solidFill>
+              <a:schemeClr val="tx1">
+                <a:lumMod val="75000"/>
+                <a:lumOff val="25000"/>
+              </a:schemeClr>
+            </a:solidFill>
+            <a:tailEnd type="triangle"/>
+          </a:ln>
+        </p:spPr>
+        <p:style>
+          <a:lnRef idx="1">
+            <a:schemeClr val="accent1"/>
+          </a:lnRef>
+          <a:fillRef idx="0">
+            <a:schemeClr val="accent1"/>
+          </a:fillRef>
+          <a:effectRef idx="0">
+            <a:schemeClr val="accent1"/>
+          </a:effectRef>
+          <a:fontRef idx="minor">
+            <a:schemeClr val="tx1"/>
+          </a:fontRef>
+        </p:style>
+      </p:cxnSp>
+      <p:cxnSp>
+        <p:nvCxnSpPr>
+          <p:cNvPr id="15" name="直線コネクタ 14">
+            <a:extLst>
+              <a:ext uri="{FF2B5EF4-FFF2-40B4-BE49-F238E27FC236}">
+                <a16:creationId xmlns:a16="http://schemas.microsoft.com/office/drawing/2014/main" id="{B5AFB198-3FFD-6CCB-023B-FC74B55DAA45}"/>
+              </a:ext>
+            </a:extLst>
+          </p:cNvPr>
+          <p:cNvCxnSpPr>
+            <a:cxnSpLocks/>
+          </p:cNvCxnSpPr>
+          <p:nvPr/>
+        </p:nvCxnSpPr>
+        <p:spPr>
+          <a:xfrm flipV="1">
+            <a:off x="2460859" y="2730736"/>
+            <a:ext cx="5337866" cy="2016168"/>
+          </a:xfrm>
+          <a:prstGeom prst="line">
+            <a:avLst/>
+          </a:prstGeom>
+          <a:ln w="28575">
+            <a:solidFill>
+              <a:schemeClr val="accent5">
+                <a:lumMod val="75000"/>
+              </a:schemeClr>
+            </a:solidFill>
+          </a:ln>
+        </p:spPr>
+        <p:style>
+          <a:lnRef idx="1">
+            <a:schemeClr val="accent1"/>
+          </a:lnRef>
+          <a:fillRef idx="0">
+            <a:schemeClr val="accent1"/>
+          </a:fillRef>
+          <a:effectRef idx="0">
+            <a:schemeClr val="accent1"/>
+          </a:effectRef>
+          <a:fontRef idx="minor">
+            <a:schemeClr val="tx1"/>
+          </a:fontRef>
+        </p:style>
+      </p:cxnSp>
+      <mc:AlternateContent xmlns:mc="http://schemas.openxmlformats.org/markup-compatibility/2006">
+        <mc:Choice xmlns:a14="http://schemas.microsoft.com/office/drawing/2010/main" Requires="a14">
+          <p:sp>
+            <p:nvSpPr>
+              <p:cNvPr id="40" name="テキスト ボックス 39">
+                <a:extLst>
+                  <a:ext uri="{FF2B5EF4-FFF2-40B4-BE49-F238E27FC236}">
+                    <a16:creationId xmlns:a16="http://schemas.microsoft.com/office/drawing/2014/main" id="{46537A03-1968-C9C5-224A-ACCDED79390C}"/>
+                  </a:ext>
+                </a:extLst>
+              </p:cNvPr>
+              <p:cNvSpPr txBox="1"/>
+              <p:nvPr/>
+            </p:nvSpPr>
+            <p:spPr>
+              <a:xfrm>
+                <a:off x="8137711" y="5339427"/>
+                <a:ext cx="1409828" cy="400110"/>
+              </a:xfrm>
+              <a:prstGeom prst="rect">
+                <a:avLst/>
+              </a:prstGeom>
+              <a:noFill/>
+            </p:spPr>
+            <p:txBody>
+              <a:bodyPr wrap="square" rtlCol="0">
+                <a:spAutoFit/>
+              </a:bodyPr>
+              <a:lstStyle/>
+              <a:p>
+                <a:r>
+                  <a:rPr kumimoji="1" lang="ja-JP" altLang="en-US" sz="2000" b="1">
+                    <a:latin typeface="BIZ UDPGothic" panose="020B0400000000000000" pitchFamily="34" charset="-128"/>
+                    <a:ea typeface="BIZ UDPGothic" panose="020B0400000000000000" pitchFamily="34" charset="-128"/>
+                  </a:rPr>
+                  <a:t>総費用</a:t>
+                </a:r>
+                <a:r>
+                  <a:rPr kumimoji="1" lang="en-US" altLang="ja-JP" sz="2000" b="1" dirty="0">
+                    <a:latin typeface="BIZ UDPGothic" panose="020B0400000000000000" pitchFamily="34" charset="-128"/>
+                    <a:ea typeface="BIZ UDPGothic" panose="020B0400000000000000" pitchFamily="34" charset="-128"/>
+                  </a:rPr>
+                  <a:t> </a:t>
+                </a:r>
+                <a14:m>
+                  <m:oMath xmlns:m="http://schemas.openxmlformats.org/officeDocument/2006/math">
+                    <m:r>
+                      <a:rPr lang="en-US" altLang="ja-JP" sz="2000" b="1" i="1" smtClean="0">
+                        <a:solidFill>
+                          <a:schemeClr val="tx1">
+                            <a:lumMod val="75000"/>
+                            <a:lumOff val="25000"/>
+                          </a:schemeClr>
+                        </a:solidFill>
+                        <a:latin typeface="Cambria Math" panose="02040503050406030204" pitchFamily="18" charset="0"/>
+                        <a:ea typeface="BIZ UDPGothic" panose="020B0400000000000000" pitchFamily="34" charset="-128"/>
+                      </a:rPr>
+                      <m:t>𝑿</m:t>
+                    </m:r>
+                  </m:oMath>
+                </a14:m>
+                <a:endParaRPr kumimoji="1" lang="ja-JP" altLang="en-US" sz="2000" b="1">
+                  <a:solidFill>
+                    <a:srgbClr val="C00000"/>
+                  </a:solidFill>
+                  <a:latin typeface="BIZ UDPGothic" panose="020B0400000000000000" pitchFamily="34" charset="-128"/>
+                  <a:ea typeface="BIZ UDPGothic" panose="020B0400000000000000" pitchFamily="34" charset="-128"/>
+                </a:endParaRPr>
+              </a:p>
+            </p:txBody>
+          </p:sp>
+        </mc:Choice>
+        <mc:Fallback>
+          <p:sp>
+            <p:nvSpPr>
+              <p:cNvPr id="40" name="テキスト ボックス 39">
+                <a:extLst>
+                  <a:ext uri="{FF2B5EF4-FFF2-40B4-BE49-F238E27FC236}">
+                    <a16:creationId xmlns:a16="http://schemas.microsoft.com/office/drawing/2014/main" id="{46537A03-1968-C9C5-224A-ACCDED79390C}"/>
+                  </a:ext>
+                </a:extLst>
+              </p:cNvPr>
+              <p:cNvSpPr txBox="1">
+                <a:spLocks noRot="1" noChangeAspect="1" noMove="1" noResize="1" noEditPoints="1" noAdjustHandles="1" noChangeArrowheads="1" noChangeShapeType="1" noTextEdit="1"/>
+              </p:cNvSpPr>
+              <p:nvPr/>
+            </p:nvSpPr>
+            <p:spPr>
+              <a:xfrm>
+                <a:off x="8137711" y="5339427"/>
+                <a:ext cx="1409828" cy="400110"/>
+              </a:xfrm>
+              <a:prstGeom prst="rect">
+                <a:avLst/>
+              </a:prstGeom>
+              <a:blipFill>
+                <a:blip r:embed="rId2"/>
+                <a:stretch>
+                  <a:fillRect l="-4464" t="-12121" b="-21212"/>
+                </a:stretch>
+              </a:blipFill>
+            </p:spPr>
+            <p:txBody>
+              <a:bodyPr/>
+              <a:lstStyle/>
+              <a:p>
+                <a:r>
+                  <a:rPr lang="ja-JP" altLang="en-US">
+                    <a:noFill/>
+                  </a:rPr>
+                  <a:t> </a:t>
+                </a:r>
+              </a:p>
+            </p:txBody>
+          </p:sp>
+        </mc:Fallback>
+      </mc:AlternateContent>
+      <mc:AlternateContent xmlns:mc="http://schemas.openxmlformats.org/markup-compatibility/2006">
+        <mc:Choice xmlns:a14="http://schemas.microsoft.com/office/drawing/2010/main" Requires="a14">
+          <p:sp>
+            <p:nvSpPr>
+              <p:cNvPr id="41" name="テキスト ボックス 40">
+                <a:extLst>
+                  <a:ext uri="{FF2B5EF4-FFF2-40B4-BE49-F238E27FC236}">
+                    <a16:creationId xmlns:a16="http://schemas.microsoft.com/office/drawing/2014/main" id="{E126BE9B-D1CF-E02A-A5DE-A4F1FE250892}"/>
+                  </a:ext>
+                </a:extLst>
+              </p:cNvPr>
+              <p:cNvSpPr txBox="1"/>
+              <p:nvPr/>
+            </p:nvSpPr>
+            <p:spPr>
+              <a:xfrm>
+                <a:off x="2300497" y="948861"/>
+                <a:ext cx="1368021" cy="400110"/>
+              </a:xfrm>
+              <a:prstGeom prst="rect">
+                <a:avLst/>
+              </a:prstGeom>
+              <a:noFill/>
+            </p:spPr>
+            <p:txBody>
+              <a:bodyPr wrap="square" rtlCol="0">
+                <a:spAutoFit/>
+              </a:bodyPr>
+              <a:lstStyle/>
+              <a:p>
+                <a:r>
+                  <a:rPr kumimoji="1" lang="ja-JP" altLang="en-US" sz="2000" b="1">
+                    <a:latin typeface="BIZ UDPGothic" panose="020B0400000000000000" pitchFamily="34" charset="-128"/>
+                    <a:ea typeface="BIZ UDPGothic" panose="020B0400000000000000" pitchFamily="34" charset="-128"/>
+                  </a:rPr>
+                  <a:t>売上高</a:t>
+                </a:r>
+                <a:r>
+                  <a:rPr kumimoji="1" lang="en-US" altLang="ja-JP" sz="2000" b="1" dirty="0">
+                    <a:latin typeface="BIZ UDPGothic" panose="020B0400000000000000" pitchFamily="34" charset="-128"/>
+                    <a:ea typeface="BIZ UDPGothic" panose="020B0400000000000000" pitchFamily="34" charset="-128"/>
+                  </a:rPr>
+                  <a:t> </a:t>
+                </a:r>
+                <a14:m>
+                  <m:oMath xmlns:m="http://schemas.openxmlformats.org/officeDocument/2006/math">
+                    <m:r>
+                      <a:rPr lang="en-US" altLang="ja-JP" sz="2000" b="1" i="1" smtClean="0">
+                        <a:solidFill>
+                          <a:schemeClr val="tx1">
+                            <a:lumMod val="75000"/>
+                            <a:lumOff val="25000"/>
+                          </a:schemeClr>
+                        </a:solidFill>
+                        <a:latin typeface="Cambria Math" panose="02040503050406030204" pitchFamily="18" charset="0"/>
+                        <a:ea typeface="BIZ UDPGothic" panose="020B0400000000000000" pitchFamily="34" charset="-128"/>
+                      </a:rPr>
+                      <m:t>𝒀</m:t>
+                    </m:r>
+                  </m:oMath>
+                </a14:m>
+                <a:endParaRPr kumimoji="1" lang="ja-JP" altLang="en-US" sz="2000" b="1">
+                  <a:solidFill>
+                    <a:srgbClr val="C00000"/>
+                  </a:solidFill>
+                  <a:latin typeface="BIZ UDPGothic" panose="020B0400000000000000" pitchFamily="34" charset="-128"/>
+                  <a:ea typeface="BIZ UDPGothic" panose="020B0400000000000000" pitchFamily="34" charset="-128"/>
+                </a:endParaRPr>
+              </a:p>
+            </p:txBody>
+          </p:sp>
+        </mc:Choice>
+        <mc:Fallback>
+          <p:sp>
+            <p:nvSpPr>
+              <p:cNvPr id="41" name="テキスト ボックス 40">
+                <a:extLst>
+                  <a:ext uri="{FF2B5EF4-FFF2-40B4-BE49-F238E27FC236}">
+                    <a16:creationId xmlns:a16="http://schemas.microsoft.com/office/drawing/2014/main" id="{E126BE9B-D1CF-E02A-A5DE-A4F1FE250892}"/>
+                  </a:ext>
+                </a:extLst>
+              </p:cNvPr>
+              <p:cNvSpPr txBox="1">
+                <a:spLocks noRot="1" noChangeAspect="1" noMove="1" noResize="1" noEditPoints="1" noAdjustHandles="1" noChangeArrowheads="1" noChangeShapeType="1" noTextEdit="1"/>
+              </p:cNvSpPr>
+              <p:nvPr/>
+            </p:nvSpPr>
+            <p:spPr>
+              <a:xfrm>
+                <a:off x="2300497" y="948861"/>
+                <a:ext cx="1368021" cy="400110"/>
+              </a:xfrm>
+              <a:prstGeom prst="rect">
+                <a:avLst/>
+              </a:prstGeom>
+              <a:blipFill>
+                <a:blip r:embed="rId3"/>
+                <a:stretch>
+                  <a:fillRect l="-3670" t="-9091" b="-21212"/>
+                </a:stretch>
+              </a:blipFill>
+            </p:spPr>
+            <p:txBody>
+              <a:bodyPr/>
+              <a:lstStyle/>
+              <a:p>
+                <a:r>
+                  <a:rPr lang="ja-JP" altLang="en-US">
+                    <a:noFill/>
+                  </a:rPr>
+                  <a:t> </a:t>
+                </a:r>
+              </a:p>
+            </p:txBody>
+          </p:sp>
+        </mc:Fallback>
+      </mc:AlternateContent>
+      <p:sp>
+        <p:nvSpPr>
+          <p:cNvPr id="2" name="円/楕円 1">
+            <a:extLst>
+              <a:ext uri="{FF2B5EF4-FFF2-40B4-BE49-F238E27FC236}">
+                <a16:creationId xmlns:a16="http://schemas.microsoft.com/office/drawing/2014/main" id="{6C950F9C-F5AF-3666-A516-81B209CCCC65}"/>
+              </a:ext>
+            </a:extLst>
+          </p:cNvPr>
+          <p:cNvSpPr/>
+          <p:nvPr/>
+        </p:nvSpPr>
+        <p:spPr>
+          <a:xfrm>
+            <a:off x="5475857" y="3541560"/>
+            <a:ext cx="106878" cy="106878"/>
+          </a:xfrm>
+          <a:prstGeom prst="ellipse">
+            <a:avLst/>
+          </a:prstGeom>
+          <a:solidFill>
+            <a:schemeClr val="tx1"/>
+          </a:solidFill>
+          <a:ln w="38100">
+            <a:noFill/>
+          </a:ln>
+        </p:spPr>
+        <p:style>
+          <a:lnRef idx="2">
+            <a:schemeClr val="accent1">
+              <a:shade val="15000"/>
+            </a:schemeClr>
+          </a:lnRef>
+          <a:fillRef idx="1">
+            <a:schemeClr val="accent1"/>
+          </a:fillRef>
+          <a:effectRef idx="0">
+            <a:schemeClr val="accent1"/>
+          </a:effectRef>
+          <a:fontRef idx="minor">
+            <a:schemeClr val="lt1"/>
+          </a:fontRef>
+        </p:style>
+        <p:txBody>
+          <a:bodyPr rtlCol="0" anchor="ctr"/>
+          <a:lstStyle/>
+          <a:p>
+            <a:pPr algn="ctr"/>
+            <a:endParaRPr kumimoji="1" lang="ja-JP" altLang="en-US" sz="2800">
+              <a:solidFill>
+                <a:schemeClr val="tx1">
+                  <a:lumMod val="75000"/>
+                  <a:lumOff val="25000"/>
+                </a:schemeClr>
+              </a:solidFill>
+              <a:latin typeface="BIZ UDPGothic" panose="020B0400000000000000" pitchFamily="34" charset="-128"/>
+              <a:ea typeface="BIZ UDPGothic" panose="020B0400000000000000" pitchFamily="34" charset="-128"/>
+            </a:endParaRPr>
+          </a:p>
+        </p:txBody>
+      </p:sp>
+      <p:sp>
+        <p:nvSpPr>
+          <p:cNvPr id="3" name="円/楕円 2">
+            <a:extLst>
+              <a:ext uri="{FF2B5EF4-FFF2-40B4-BE49-F238E27FC236}">
+                <a16:creationId xmlns:a16="http://schemas.microsoft.com/office/drawing/2014/main" id="{22609D40-F3A7-F8F9-E0E8-F9D373D68FE1}"/>
+              </a:ext>
+            </a:extLst>
+          </p:cNvPr>
+          <p:cNvSpPr/>
+          <p:nvPr/>
+        </p:nvSpPr>
+        <p:spPr>
+          <a:xfrm>
+            <a:off x="3566579" y="3739482"/>
+            <a:ext cx="106878" cy="106878"/>
+          </a:xfrm>
+          <a:prstGeom prst="ellipse">
+            <a:avLst/>
+          </a:prstGeom>
+          <a:solidFill>
+            <a:schemeClr val="tx1"/>
+          </a:solidFill>
+          <a:ln w="38100">
+            <a:noFill/>
+          </a:ln>
+        </p:spPr>
+        <p:style>
+          <a:lnRef idx="2">
+            <a:schemeClr val="accent1">
+              <a:shade val="15000"/>
+            </a:schemeClr>
+          </a:lnRef>
+          <a:fillRef idx="1">
+            <a:schemeClr val="accent1"/>
+          </a:fillRef>
+          <a:effectRef idx="0">
+            <a:schemeClr val="accent1"/>
+          </a:effectRef>
+          <a:fontRef idx="minor">
+            <a:schemeClr val="lt1"/>
+          </a:fontRef>
+        </p:style>
+        <p:txBody>
+          <a:bodyPr rtlCol="0" anchor="ctr"/>
+          <a:lstStyle/>
+          <a:p>
+            <a:pPr algn="ctr"/>
+            <a:endParaRPr kumimoji="1" lang="ja-JP" altLang="en-US" sz="2800">
+              <a:solidFill>
+                <a:schemeClr val="tx1">
+                  <a:lumMod val="75000"/>
+                  <a:lumOff val="25000"/>
+                </a:schemeClr>
+              </a:solidFill>
+              <a:latin typeface="BIZ UDPGothic" panose="020B0400000000000000" pitchFamily="34" charset="-128"/>
+              <a:ea typeface="BIZ UDPGothic" panose="020B0400000000000000" pitchFamily="34" charset="-128"/>
+            </a:endParaRPr>
+          </a:p>
+        </p:txBody>
+      </p:sp>
+      <p:sp>
+        <p:nvSpPr>
+          <p:cNvPr id="4" name="円/楕円 3">
+            <a:extLst>
+              <a:ext uri="{FF2B5EF4-FFF2-40B4-BE49-F238E27FC236}">
+                <a16:creationId xmlns:a16="http://schemas.microsoft.com/office/drawing/2014/main" id="{E2C159E2-C6F9-BAA7-198A-76DE7F246D0F}"/>
+              </a:ext>
+            </a:extLst>
+          </p:cNvPr>
+          <p:cNvSpPr/>
+          <p:nvPr/>
+        </p:nvSpPr>
+        <p:spPr>
+          <a:xfrm>
+            <a:off x="4617665" y="4233398"/>
+            <a:ext cx="106878" cy="106878"/>
+          </a:xfrm>
+          <a:prstGeom prst="ellipse">
+            <a:avLst/>
+          </a:prstGeom>
+          <a:solidFill>
+            <a:schemeClr val="tx1"/>
+          </a:solidFill>
+          <a:ln w="38100">
+            <a:noFill/>
+          </a:ln>
+        </p:spPr>
+        <p:style>
+          <a:lnRef idx="2">
+            <a:schemeClr val="accent1">
+              <a:shade val="15000"/>
+            </a:schemeClr>
+          </a:lnRef>
+          <a:fillRef idx="1">
+            <a:schemeClr val="accent1"/>
+          </a:fillRef>
+          <a:effectRef idx="0">
+            <a:schemeClr val="accent1"/>
+          </a:effectRef>
+          <a:fontRef idx="minor">
+            <a:schemeClr val="lt1"/>
+          </a:fontRef>
+        </p:style>
+        <p:txBody>
+          <a:bodyPr rtlCol="0" anchor="ctr"/>
+          <a:lstStyle/>
+          <a:p>
+            <a:pPr algn="ctr"/>
+            <a:endParaRPr kumimoji="1" lang="ja-JP" altLang="en-US" sz="2800">
+              <a:solidFill>
+                <a:schemeClr val="tx1">
+                  <a:lumMod val="75000"/>
+                  <a:lumOff val="25000"/>
+                </a:schemeClr>
+              </a:solidFill>
+              <a:latin typeface="BIZ UDPGothic" panose="020B0400000000000000" pitchFamily="34" charset="-128"/>
+              <a:ea typeface="BIZ UDPGothic" panose="020B0400000000000000" pitchFamily="34" charset="-128"/>
+            </a:endParaRPr>
+          </a:p>
+        </p:txBody>
+      </p:sp>
+      <p:sp>
+        <p:nvSpPr>
+          <p:cNvPr id="7" name="円/楕円 6">
+            <a:extLst>
+              <a:ext uri="{FF2B5EF4-FFF2-40B4-BE49-F238E27FC236}">
+                <a16:creationId xmlns:a16="http://schemas.microsoft.com/office/drawing/2014/main" id="{F91827F0-116A-EFFA-78A5-0D9BBCA73B9C}"/>
+              </a:ext>
+            </a:extLst>
+          </p:cNvPr>
+          <p:cNvSpPr/>
+          <p:nvPr/>
+        </p:nvSpPr>
+        <p:spPr>
+          <a:xfrm>
+            <a:off x="5788953" y="2870736"/>
+            <a:ext cx="106878" cy="106878"/>
+          </a:xfrm>
+          <a:prstGeom prst="ellipse">
+            <a:avLst/>
+          </a:prstGeom>
+          <a:solidFill>
+            <a:schemeClr val="tx1"/>
+          </a:solidFill>
+          <a:ln w="38100">
+            <a:noFill/>
+          </a:ln>
+        </p:spPr>
+        <p:style>
+          <a:lnRef idx="2">
+            <a:schemeClr val="accent1">
+              <a:shade val="15000"/>
+            </a:schemeClr>
+          </a:lnRef>
+          <a:fillRef idx="1">
+            <a:schemeClr val="accent1"/>
+          </a:fillRef>
+          <a:effectRef idx="0">
+            <a:schemeClr val="accent1"/>
+          </a:effectRef>
+          <a:fontRef idx="minor">
+            <a:schemeClr val="lt1"/>
+          </a:fontRef>
+        </p:style>
+        <p:txBody>
+          <a:bodyPr rtlCol="0" anchor="ctr"/>
+          <a:lstStyle/>
+          <a:p>
+            <a:pPr algn="ctr"/>
+            <a:endParaRPr kumimoji="1" lang="ja-JP" altLang="en-US" sz="2800">
+              <a:solidFill>
+                <a:schemeClr val="tx1">
+                  <a:lumMod val="75000"/>
+                  <a:lumOff val="25000"/>
+                </a:schemeClr>
+              </a:solidFill>
+              <a:latin typeface="BIZ UDPGothic" panose="020B0400000000000000" pitchFamily="34" charset="-128"/>
+              <a:ea typeface="BIZ UDPGothic" panose="020B0400000000000000" pitchFamily="34" charset="-128"/>
+            </a:endParaRPr>
+          </a:p>
+        </p:txBody>
+      </p:sp>
+      <p:sp>
+        <p:nvSpPr>
+          <p:cNvPr id="8" name="円/楕円 7">
+            <a:extLst>
+              <a:ext uri="{FF2B5EF4-FFF2-40B4-BE49-F238E27FC236}">
+                <a16:creationId xmlns:a16="http://schemas.microsoft.com/office/drawing/2014/main" id="{BB1F2B68-7C05-938D-74F8-D596B1C31318}"/>
+              </a:ext>
+            </a:extLst>
+          </p:cNvPr>
+          <p:cNvSpPr/>
+          <p:nvPr/>
+        </p:nvSpPr>
+        <p:spPr>
+          <a:xfrm>
+            <a:off x="4617665" y="3477837"/>
+            <a:ext cx="106878" cy="106878"/>
+          </a:xfrm>
+          <a:prstGeom prst="ellipse">
+            <a:avLst/>
+          </a:prstGeom>
+          <a:solidFill>
+            <a:schemeClr val="tx1"/>
+          </a:solidFill>
+          <a:ln w="38100">
+            <a:noFill/>
+          </a:ln>
+        </p:spPr>
+        <p:style>
+          <a:lnRef idx="2">
+            <a:schemeClr val="accent1">
+              <a:shade val="15000"/>
+            </a:schemeClr>
+          </a:lnRef>
+          <a:fillRef idx="1">
+            <a:schemeClr val="accent1"/>
+          </a:fillRef>
+          <a:effectRef idx="0">
+            <a:schemeClr val="accent1"/>
+          </a:effectRef>
+          <a:fontRef idx="minor">
+            <a:schemeClr val="lt1"/>
+          </a:fontRef>
+        </p:style>
+        <p:txBody>
+          <a:bodyPr rtlCol="0" anchor="ctr"/>
+          <a:lstStyle/>
+          <a:p>
+            <a:pPr algn="ctr"/>
+            <a:endParaRPr kumimoji="1" lang="ja-JP" altLang="en-US" sz="2800">
+              <a:solidFill>
+                <a:schemeClr val="tx1">
+                  <a:lumMod val="75000"/>
+                  <a:lumOff val="25000"/>
+                </a:schemeClr>
+              </a:solidFill>
+              <a:latin typeface="BIZ UDPGothic" panose="020B0400000000000000" pitchFamily="34" charset="-128"/>
+              <a:ea typeface="BIZ UDPGothic" panose="020B0400000000000000" pitchFamily="34" charset="-128"/>
+            </a:endParaRPr>
+          </a:p>
+        </p:txBody>
+      </p:sp>
+      <p:sp>
+        <p:nvSpPr>
+          <p:cNvPr id="9" name="円/楕円 8">
+            <a:extLst>
+              <a:ext uri="{FF2B5EF4-FFF2-40B4-BE49-F238E27FC236}">
+                <a16:creationId xmlns:a16="http://schemas.microsoft.com/office/drawing/2014/main" id="{AF3FF7DE-DB5C-ECEF-4F4B-A4086E6F6E1B}"/>
+              </a:ext>
+            </a:extLst>
+          </p:cNvPr>
+          <p:cNvSpPr/>
+          <p:nvPr/>
+        </p:nvSpPr>
+        <p:spPr>
+          <a:xfrm>
+            <a:off x="3438307" y="4560346"/>
+            <a:ext cx="106878" cy="106878"/>
+          </a:xfrm>
+          <a:prstGeom prst="ellipse">
+            <a:avLst/>
+          </a:prstGeom>
+          <a:solidFill>
+            <a:schemeClr val="tx1"/>
+          </a:solidFill>
+          <a:ln w="38100">
+            <a:noFill/>
+          </a:ln>
+        </p:spPr>
+        <p:style>
+          <a:lnRef idx="2">
+            <a:schemeClr val="accent1">
+              <a:shade val="15000"/>
+            </a:schemeClr>
+          </a:lnRef>
+          <a:fillRef idx="1">
+            <a:schemeClr val="accent1"/>
+          </a:fillRef>
+          <a:effectRef idx="0">
+            <a:schemeClr val="accent1"/>
+          </a:effectRef>
+          <a:fontRef idx="minor">
+            <a:schemeClr val="lt1"/>
+          </a:fontRef>
+        </p:style>
+        <p:txBody>
+          <a:bodyPr rtlCol="0" anchor="ctr"/>
+          <a:lstStyle/>
+          <a:p>
+            <a:pPr algn="ctr"/>
+            <a:endParaRPr kumimoji="1" lang="ja-JP" altLang="en-US" sz="2800">
+              <a:solidFill>
+                <a:schemeClr val="tx1">
+                  <a:lumMod val="75000"/>
+                  <a:lumOff val="25000"/>
+                </a:schemeClr>
+              </a:solidFill>
+              <a:latin typeface="BIZ UDPGothic" panose="020B0400000000000000" pitchFamily="34" charset="-128"/>
+              <a:ea typeface="BIZ UDPGothic" panose="020B0400000000000000" pitchFamily="34" charset="-128"/>
+            </a:endParaRPr>
+          </a:p>
+        </p:txBody>
+      </p:sp>
+      <p:sp>
+        <p:nvSpPr>
+          <p:cNvPr id="10" name="円/楕円 9">
+            <a:extLst>
+              <a:ext uri="{FF2B5EF4-FFF2-40B4-BE49-F238E27FC236}">
+                <a16:creationId xmlns:a16="http://schemas.microsoft.com/office/drawing/2014/main" id="{1132D53B-3412-58F7-197E-80F640AA50C7}"/>
+              </a:ext>
+            </a:extLst>
+          </p:cNvPr>
+          <p:cNvSpPr/>
+          <p:nvPr/>
+        </p:nvSpPr>
+        <p:spPr>
+          <a:xfrm>
+            <a:off x="4082375" y="4340276"/>
+            <a:ext cx="106878" cy="106878"/>
+          </a:xfrm>
+          <a:prstGeom prst="ellipse">
+            <a:avLst/>
+          </a:prstGeom>
+          <a:solidFill>
+            <a:schemeClr val="tx1"/>
+          </a:solidFill>
+          <a:ln w="38100">
+            <a:noFill/>
+          </a:ln>
+        </p:spPr>
+        <p:style>
+          <a:lnRef idx="2">
+            <a:schemeClr val="accent1">
+              <a:shade val="15000"/>
+            </a:schemeClr>
+          </a:lnRef>
+          <a:fillRef idx="1">
+            <a:schemeClr val="accent1"/>
+          </a:fillRef>
+          <a:effectRef idx="0">
+            <a:schemeClr val="accent1"/>
+          </a:effectRef>
+          <a:fontRef idx="minor">
+            <a:schemeClr val="lt1"/>
+          </a:fontRef>
+        </p:style>
+        <p:txBody>
+          <a:bodyPr rtlCol="0" anchor="ctr"/>
+          <a:lstStyle/>
+          <a:p>
+            <a:pPr algn="ctr"/>
+            <a:endParaRPr kumimoji="1" lang="ja-JP" altLang="en-US" sz="2800">
+              <a:solidFill>
+                <a:schemeClr val="tx1">
+                  <a:lumMod val="75000"/>
+                  <a:lumOff val="25000"/>
+                </a:schemeClr>
+              </a:solidFill>
+              <a:latin typeface="BIZ UDPGothic" panose="020B0400000000000000" pitchFamily="34" charset="-128"/>
+              <a:ea typeface="BIZ UDPGothic" panose="020B0400000000000000" pitchFamily="34" charset="-128"/>
+            </a:endParaRPr>
+          </a:p>
+        </p:txBody>
+      </p:sp>
+      <p:sp>
+        <p:nvSpPr>
+          <p:cNvPr id="13" name="円/楕円 12">
+            <a:extLst>
+              <a:ext uri="{FF2B5EF4-FFF2-40B4-BE49-F238E27FC236}">
+                <a16:creationId xmlns:a16="http://schemas.microsoft.com/office/drawing/2014/main" id="{8E5034D7-662A-7CDE-CE4D-62FBC54245FF}"/>
+              </a:ext>
+            </a:extLst>
+          </p:cNvPr>
+          <p:cNvSpPr/>
+          <p:nvPr/>
+        </p:nvSpPr>
+        <p:spPr>
+          <a:xfrm>
+            <a:off x="5749001" y="4591833"/>
+            <a:ext cx="106878" cy="106878"/>
+          </a:xfrm>
+          <a:prstGeom prst="ellipse">
+            <a:avLst/>
+          </a:prstGeom>
+          <a:solidFill>
+            <a:schemeClr val="tx1"/>
+          </a:solidFill>
+          <a:ln w="38100">
+            <a:noFill/>
+          </a:ln>
+        </p:spPr>
+        <p:style>
+          <a:lnRef idx="2">
+            <a:schemeClr val="accent1">
+              <a:shade val="15000"/>
+            </a:schemeClr>
+          </a:lnRef>
+          <a:fillRef idx="1">
+            <a:schemeClr val="accent1"/>
+          </a:fillRef>
+          <a:effectRef idx="0">
+            <a:schemeClr val="accent1"/>
+          </a:effectRef>
+          <a:fontRef idx="minor">
+            <a:schemeClr val="lt1"/>
+          </a:fontRef>
+        </p:style>
+        <p:txBody>
+          <a:bodyPr rtlCol="0" anchor="ctr"/>
+          <a:lstStyle/>
+          <a:p>
+            <a:pPr algn="ctr"/>
+            <a:endParaRPr kumimoji="1" lang="ja-JP" altLang="en-US" sz="2800">
+              <a:solidFill>
+                <a:schemeClr val="tx1">
+                  <a:lumMod val="75000"/>
+                  <a:lumOff val="25000"/>
+                </a:schemeClr>
+              </a:solidFill>
+              <a:latin typeface="BIZ UDPGothic" panose="020B0400000000000000" pitchFamily="34" charset="-128"/>
+              <a:ea typeface="BIZ UDPGothic" panose="020B0400000000000000" pitchFamily="34" charset="-128"/>
+            </a:endParaRPr>
+          </a:p>
+        </p:txBody>
+      </p:sp>
+      <p:sp>
+        <p:nvSpPr>
+          <p:cNvPr id="16" name="円/楕円 15">
+            <a:extLst>
+              <a:ext uri="{FF2B5EF4-FFF2-40B4-BE49-F238E27FC236}">
+                <a16:creationId xmlns:a16="http://schemas.microsoft.com/office/drawing/2014/main" id="{68B9F10B-11DC-D003-E84E-FFE378CE2B61}"/>
+              </a:ext>
+            </a:extLst>
+          </p:cNvPr>
+          <p:cNvSpPr/>
+          <p:nvPr/>
+        </p:nvSpPr>
+        <p:spPr>
+          <a:xfrm>
+            <a:off x="6653961" y="3796746"/>
+            <a:ext cx="106878" cy="106878"/>
+          </a:xfrm>
+          <a:prstGeom prst="ellipse">
+            <a:avLst/>
+          </a:prstGeom>
+          <a:solidFill>
+            <a:schemeClr val="tx1"/>
+          </a:solidFill>
+          <a:ln w="38100">
+            <a:noFill/>
+          </a:ln>
+        </p:spPr>
+        <p:style>
+          <a:lnRef idx="2">
+            <a:schemeClr val="accent1">
+              <a:shade val="15000"/>
+            </a:schemeClr>
+          </a:lnRef>
+          <a:fillRef idx="1">
+            <a:schemeClr val="accent1"/>
+          </a:fillRef>
+          <a:effectRef idx="0">
+            <a:schemeClr val="accent1"/>
+          </a:effectRef>
+          <a:fontRef idx="minor">
+            <a:schemeClr val="lt1"/>
+          </a:fontRef>
+        </p:style>
+        <p:txBody>
+          <a:bodyPr rtlCol="0" anchor="ctr"/>
+          <a:lstStyle/>
+          <a:p>
+            <a:pPr algn="ctr"/>
+            <a:endParaRPr kumimoji="1" lang="ja-JP" altLang="en-US" sz="2800">
+              <a:solidFill>
+                <a:schemeClr val="tx1">
+                  <a:lumMod val="75000"/>
+                  <a:lumOff val="25000"/>
+                </a:schemeClr>
+              </a:solidFill>
+              <a:latin typeface="BIZ UDPGothic" panose="020B0400000000000000" pitchFamily="34" charset="-128"/>
+              <a:ea typeface="BIZ UDPGothic" panose="020B0400000000000000" pitchFamily="34" charset="-128"/>
+            </a:endParaRPr>
+          </a:p>
+        </p:txBody>
+      </p:sp>
+      <p:sp>
+        <p:nvSpPr>
+          <p:cNvPr id="17" name="円/楕円 16">
+            <a:extLst>
+              <a:ext uri="{FF2B5EF4-FFF2-40B4-BE49-F238E27FC236}">
+                <a16:creationId xmlns:a16="http://schemas.microsoft.com/office/drawing/2014/main" id="{08C8C868-1790-5708-506F-DB27C8C64C8C}"/>
+              </a:ext>
+            </a:extLst>
+          </p:cNvPr>
+          <p:cNvSpPr/>
+          <p:nvPr/>
+        </p:nvSpPr>
+        <p:spPr>
+          <a:xfrm>
+            <a:off x="6042561" y="3903624"/>
+            <a:ext cx="106878" cy="106878"/>
+          </a:xfrm>
+          <a:prstGeom prst="ellipse">
+            <a:avLst/>
+          </a:prstGeom>
+          <a:solidFill>
+            <a:schemeClr val="tx1"/>
+          </a:solidFill>
+          <a:ln w="38100">
+            <a:noFill/>
+          </a:ln>
+        </p:spPr>
+        <p:style>
+          <a:lnRef idx="2">
+            <a:schemeClr val="accent1">
+              <a:shade val="15000"/>
+            </a:schemeClr>
+          </a:lnRef>
+          <a:fillRef idx="1">
+            <a:schemeClr val="accent1"/>
+          </a:fillRef>
+          <a:effectRef idx="0">
+            <a:schemeClr val="accent1"/>
+          </a:effectRef>
+          <a:fontRef idx="minor">
+            <a:schemeClr val="lt1"/>
+          </a:fontRef>
+        </p:style>
+        <p:txBody>
+          <a:bodyPr rtlCol="0" anchor="ctr"/>
+          <a:lstStyle/>
+          <a:p>
+            <a:pPr algn="ctr"/>
+            <a:endParaRPr kumimoji="1" lang="ja-JP" altLang="en-US" sz="2800">
+              <a:solidFill>
+                <a:schemeClr val="tx1">
+                  <a:lumMod val="75000"/>
+                  <a:lumOff val="25000"/>
+                </a:schemeClr>
+              </a:solidFill>
+              <a:latin typeface="BIZ UDPGothic" panose="020B0400000000000000" pitchFamily="34" charset="-128"/>
+              <a:ea typeface="BIZ UDPGothic" panose="020B0400000000000000" pitchFamily="34" charset="-128"/>
+            </a:endParaRPr>
+          </a:p>
+        </p:txBody>
+      </p:sp>
+      <p:sp>
+        <p:nvSpPr>
+          <p:cNvPr id="19" name="円/楕円 18">
+            <a:extLst>
+              <a:ext uri="{FF2B5EF4-FFF2-40B4-BE49-F238E27FC236}">
+                <a16:creationId xmlns:a16="http://schemas.microsoft.com/office/drawing/2014/main" id="{D13C7EDB-A043-790E-FF38-0F4AC29196B1}"/>
+              </a:ext>
+            </a:extLst>
+          </p:cNvPr>
+          <p:cNvSpPr/>
+          <p:nvPr/>
+        </p:nvSpPr>
+        <p:spPr>
+          <a:xfrm>
+            <a:off x="6845745" y="2445718"/>
+            <a:ext cx="106878" cy="106878"/>
+          </a:xfrm>
+          <a:prstGeom prst="ellipse">
+            <a:avLst/>
+          </a:prstGeom>
+          <a:solidFill>
+            <a:schemeClr val="tx1"/>
+          </a:solidFill>
+          <a:ln w="38100">
+            <a:noFill/>
+          </a:ln>
+        </p:spPr>
+        <p:style>
+          <a:lnRef idx="2">
+            <a:schemeClr val="accent1">
+              <a:shade val="15000"/>
+            </a:schemeClr>
+          </a:lnRef>
+          <a:fillRef idx="1">
+            <a:schemeClr val="accent1"/>
+          </a:fillRef>
+          <a:effectRef idx="0">
+            <a:schemeClr val="accent1"/>
+          </a:effectRef>
+          <a:fontRef idx="minor">
+            <a:schemeClr val="lt1"/>
+          </a:fontRef>
+        </p:style>
+        <p:txBody>
+          <a:bodyPr rtlCol="0" anchor="ctr"/>
+          <a:lstStyle/>
+          <a:p>
+            <a:pPr algn="ctr"/>
+            <a:endParaRPr kumimoji="1" lang="ja-JP" altLang="en-US" sz="2800">
+              <a:solidFill>
+                <a:schemeClr val="tx1">
+                  <a:lumMod val="75000"/>
+                  <a:lumOff val="25000"/>
+                </a:schemeClr>
+              </a:solidFill>
+              <a:latin typeface="BIZ UDPGothic" panose="020B0400000000000000" pitchFamily="34" charset="-128"/>
+              <a:ea typeface="BIZ UDPGothic" panose="020B0400000000000000" pitchFamily="34" charset="-128"/>
+            </a:endParaRPr>
+          </a:p>
+        </p:txBody>
+      </p:sp>
+      <p:cxnSp>
+        <p:nvCxnSpPr>
+          <p:cNvPr id="21" name="直線コネクタ 20">
+            <a:extLst>
+              <a:ext uri="{FF2B5EF4-FFF2-40B4-BE49-F238E27FC236}">
+                <a16:creationId xmlns:a16="http://schemas.microsoft.com/office/drawing/2014/main" id="{48AC90B7-65C8-6A2E-0967-878DFD80C679}"/>
+              </a:ext>
+            </a:extLst>
+          </p:cNvPr>
+          <p:cNvCxnSpPr>
+            <a:cxnSpLocks/>
+            <a:stCxn id="2" idx="4"/>
+          </p:cNvCxnSpPr>
+          <p:nvPr/>
+        </p:nvCxnSpPr>
+        <p:spPr>
+          <a:xfrm>
+            <a:off x="5529296" y="3648438"/>
+            <a:ext cx="0" cy="1891044"/>
+          </a:xfrm>
+          <a:prstGeom prst="line">
+            <a:avLst/>
+          </a:prstGeom>
+          <a:ln w="12700">
+            <a:solidFill>
+              <a:schemeClr val="tx1">
+                <a:lumMod val="75000"/>
+                <a:lumOff val="25000"/>
+              </a:schemeClr>
+            </a:solidFill>
+            <a:prstDash val="dash"/>
+          </a:ln>
+        </p:spPr>
+        <p:style>
+          <a:lnRef idx="1">
+            <a:schemeClr val="accent1"/>
+          </a:lnRef>
+          <a:fillRef idx="0">
+            <a:schemeClr val="accent1"/>
+          </a:fillRef>
+          <a:effectRef idx="0">
+            <a:schemeClr val="accent1"/>
+          </a:effectRef>
+          <a:fontRef idx="minor">
+            <a:schemeClr val="tx1"/>
+          </a:fontRef>
+        </p:style>
+      </p:cxnSp>
+      <p:cxnSp>
+        <p:nvCxnSpPr>
+          <p:cNvPr id="22" name="直線コネクタ 21">
+            <a:extLst>
+              <a:ext uri="{FF2B5EF4-FFF2-40B4-BE49-F238E27FC236}">
+                <a16:creationId xmlns:a16="http://schemas.microsoft.com/office/drawing/2014/main" id="{EDA8E590-697E-B450-C917-2FEA3B449688}"/>
+              </a:ext>
+            </a:extLst>
+          </p:cNvPr>
+          <p:cNvCxnSpPr>
+            <a:cxnSpLocks/>
+            <a:stCxn id="2" idx="2"/>
+          </p:cNvCxnSpPr>
+          <p:nvPr/>
+        </p:nvCxnSpPr>
+        <p:spPr>
+          <a:xfrm flipH="1">
+            <a:off x="2893122" y="3594999"/>
+            <a:ext cx="2582735" cy="0"/>
+          </a:xfrm>
+          <a:prstGeom prst="line">
+            <a:avLst/>
+          </a:prstGeom>
+          <a:ln w="12700">
+            <a:solidFill>
+              <a:schemeClr val="tx1">
+                <a:lumMod val="75000"/>
+                <a:lumOff val="25000"/>
+              </a:schemeClr>
+            </a:solidFill>
+            <a:prstDash val="dash"/>
+          </a:ln>
+        </p:spPr>
+        <p:style>
+          <a:lnRef idx="1">
+            <a:schemeClr val="accent1"/>
+          </a:lnRef>
+          <a:fillRef idx="0">
+            <a:schemeClr val="accent1"/>
+          </a:fillRef>
+          <a:effectRef idx="0">
+            <a:schemeClr val="accent1"/>
+          </a:effectRef>
+          <a:fontRef idx="minor">
+            <a:schemeClr val="tx1"/>
+          </a:fontRef>
+        </p:style>
+      </p:cxnSp>
+      <p:cxnSp>
+        <p:nvCxnSpPr>
+          <p:cNvPr id="25" name="直線コネクタ 24">
+            <a:extLst>
+              <a:ext uri="{FF2B5EF4-FFF2-40B4-BE49-F238E27FC236}">
+                <a16:creationId xmlns:a16="http://schemas.microsoft.com/office/drawing/2014/main" id="{B145F165-1D6F-2B74-D0BE-69092124F464}"/>
+              </a:ext>
+            </a:extLst>
+          </p:cNvPr>
+          <p:cNvCxnSpPr>
+            <a:cxnSpLocks/>
+            <a:stCxn id="19" idx="4"/>
+          </p:cNvCxnSpPr>
+          <p:nvPr/>
+        </p:nvCxnSpPr>
+        <p:spPr>
+          <a:xfrm>
+            <a:off x="6899184" y="2552596"/>
+            <a:ext cx="0" cy="2986886"/>
+          </a:xfrm>
+          <a:prstGeom prst="line">
+            <a:avLst/>
+          </a:prstGeom>
+          <a:ln w="12700">
+            <a:solidFill>
+              <a:schemeClr val="tx1">
+                <a:lumMod val="75000"/>
+                <a:lumOff val="25000"/>
+              </a:schemeClr>
+            </a:solidFill>
+            <a:prstDash val="dash"/>
+          </a:ln>
+        </p:spPr>
+        <p:style>
+          <a:lnRef idx="1">
+            <a:schemeClr val="accent1"/>
+          </a:lnRef>
+          <a:fillRef idx="0">
+            <a:schemeClr val="accent1"/>
+          </a:fillRef>
+          <a:effectRef idx="0">
+            <a:schemeClr val="accent1"/>
+          </a:effectRef>
+          <a:fontRef idx="minor">
+            <a:schemeClr val="tx1"/>
+          </a:fontRef>
+        </p:style>
+      </p:cxnSp>
+      <p:cxnSp>
+        <p:nvCxnSpPr>
+          <p:cNvPr id="30" name="直線コネクタ 29">
+            <a:extLst>
+              <a:ext uri="{FF2B5EF4-FFF2-40B4-BE49-F238E27FC236}">
+                <a16:creationId xmlns:a16="http://schemas.microsoft.com/office/drawing/2014/main" id="{E20798F7-1610-0B81-EC00-BA095F96DCEB}"/>
+              </a:ext>
+            </a:extLst>
+          </p:cNvPr>
+          <p:cNvCxnSpPr>
+            <a:cxnSpLocks/>
+          </p:cNvCxnSpPr>
+          <p:nvPr/>
+        </p:nvCxnSpPr>
+        <p:spPr>
+          <a:xfrm flipH="1">
+            <a:off x="2903396" y="2499157"/>
+            <a:ext cx="3952623" cy="0"/>
+          </a:xfrm>
+          <a:prstGeom prst="line">
+            <a:avLst/>
+          </a:prstGeom>
+          <a:ln w="12700">
+            <a:solidFill>
+              <a:schemeClr val="tx1">
+                <a:lumMod val="75000"/>
+                <a:lumOff val="25000"/>
+              </a:schemeClr>
+            </a:solidFill>
+            <a:prstDash val="dash"/>
+          </a:ln>
+        </p:spPr>
+        <p:style>
+          <a:lnRef idx="1">
+            <a:schemeClr val="accent1"/>
+          </a:lnRef>
+          <a:fillRef idx="0">
+            <a:schemeClr val="accent1"/>
+          </a:fillRef>
+          <a:effectRef idx="0">
+            <a:schemeClr val="accent1"/>
+          </a:effectRef>
+          <a:fontRef idx="minor">
+            <a:schemeClr val="tx1"/>
+          </a:fontRef>
+        </p:style>
+      </p:cxnSp>
+      <mc:AlternateContent xmlns:mc="http://schemas.openxmlformats.org/markup-compatibility/2006">
+        <mc:Choice xmlns:a14="http://schemas.microsoft.com/office/drawing/2010/main" Requires="a14">
+          <p:sp>
+            <p:nvSpPr>
+              <p:cNvPr id="53" name="テキスト ボックス 52">
+                <a:extLst>
+                  <a:ext uri="{FF2B5EF4-FFF2-40B4-BE49-F238E27FC236}">
+                    <a16:creationId xmlns:a16="http://schemas.microsoft.com/office/drawing/2014/main" id="{2FD2B211-477B-2CDA-63A3-1217E00966AB}"/>
+                  </a:ext>
+                </a:extLst>
+              </p:cNvPr>
+              <p:cNvSpPr txBox="1"/>
+              <p:nvPr/>
+            </p:nvSpPr>
+            <p:spPr>
+              <a:xfrm>
+                <a:off x="6707400" y="5520710"/>
+                <a:ext cx="419415" cy="400110"/>
+              </a:xfrm>
+              <a:prstGeom prst="rect">
+                <a:avLst/>
+              </a:prstGeom>
+              <a:noFill/>
+            </p:spPr>
+            <p:txBody>
+              <a:bodyPr wrap="square" rtlCol="0">
+                <a:spAutoFit/>
+              </a:bodyPr>
+              <a:lstStyle/>
+              <a:p>
+                <a14:m>
+                  <m:oMathPara xmlns:m="http://schemas.openxmlformats.org/officeDocument/2006/math">
+                    <m:oMathParaPr>
+                      <m:jc m:val="centerGroup"/>
+                    </m:oMathParaPr>
+                    <m:oMath xmlns:m="http://schemas.openxmlformats.org/officeDocument/2006/math">
+                      <m:sSub>
+                        <m:sSubPr>
+                          <m:ctrlPr>
+                            <a:rPr lang="en-US" altLang="ja-JP" sz="2000" b="0" i="1" smtClean="0">
+                              <a:solidFill>
+                                <a:schemeClr val="tx1">
+                                  <a:lumMod val="75000"/>
+                                  <a:lumOff val="25000"/>
+                                </a:schemeClr>
+                              </a:solidFill>
+                              <a:latin typeface="Cambria Math" panose="02040503050406030204" pitchFamily="18" charset="0"/>
+                              <a:ea typeface="BIZ UDPGothic" panose="020B0400000000000000" pitchFamily="34" charset="-128"/>
+                            </a:rPr>
+                          </m:ctrlPr>
+                        </m:sSubPr>
+                        <m:e>
+                          <m:r>
+                            <a:rPr lang="en-US" altLang="ja-JP" sz="2000" b="0" i="1" smtClean="0">
+                              <a:solidFill>
+                                <a:schemeClr val="tx1">
+                                  <a:lumMod val="75000"/>
+                                  <a:lumOff val="25000"/>
+                                </a:schemeClr>
+                              </a:solidFill>
+                              <a:latin typeface="Cambria Math" panose="02040503050406030204" pitchFamily="18" charset="0"/>
+                              <a:ea typeface="BIZ UDPGothic" panose="020B0400000000000000" pitchFamily="34" charset="-128"/>
+                            </a:rPr>
+                            <m:t>𝑋</m:t>
+                          </m:r>
+                        </m:e>
+                        <m:sub>
+                          <m:r>
+                            <a:rPr lang="en-US" altLang="ja-JP" sz="2000" b="0" i="1" smtClean="0">
+                              <a:solidFill>
+                                <a:schemeClr val="tx1">
+                                  <a:lumMod val="75000"/>
+                                  <a:lumOff val="25000"/>
+                                </a:schemeClr>
+                              </a:solidFill>
+                              <a:latin typeface="Cambria Math" panose="02040503050406030204" pitchFamily="18" charset="0"/>
+                              <a:ea typeface="BIZ UDPGothic" panose="020B0400000000000000" pitchFamily="34" charset="-128"/>
+                            </a:rPr>
+                            <m:t>1</m:t>
+                          </m:r>
+                        </m:sub>
+                      </m:sSub>
+                    </m:oMath>
+                  </m:oMathPara>
+                </a14:m>
+                <a:endParaRPr kumimoji="1" lang="ja-JP" altLang="en-US" sz="2000">
+                  <a:solidFill>
+                    <a:srgbClr val="C00000"/>
+                  </a:solidFill>
+                  <a:latin typeface="BIZ UDPGothic" panose="020B0400000000000000" pitchFamily="34" charset="-128"/>
+                  <a:ea typeface="BIZ UDPGothic" panose="020B0400000000000000" pitchFamily="34" charset="-128"/>
+                </a:endParaRPr>
+              </a:p>
+            </p:txBody>
+          </p:sp>
+        </mc:Choice>
+        <mc:Fallback>
+          <p:sp>
+            <p:nvSpPr>
+              <p:cNvPr id="53" name="テキスト ボックス 52">
+                <a:extLst>
+                  <a:ext uri="{FF2B5EF4-FFF2-40B4-BE49-F238E27FC236}">
+                    <a16:creationId xmlns:a16="http://schemas.microsoft.com/office/drawing/2014/main" id="{2FD2B211-477B-2CDA-63A3-1217E00966AB}"/>
+                  </a:ext>
+                </a:extLst>
+              </p:cNvPr>
+              <p:cNvSpPr txBox="1">
+                <a:spLocks noRot="1" noChangeAspect="1" noMove="1" noResize="1" noEditPoints="1" noAdjustHandles="1" noChangeArrowheads="1" noChangeShapeType="1" noTextEdit="1"/>
+              </p:cNvSpPr>
+              <p:nvPr/>
+            </p:nvSpPr>
+            <p:spPr>
+              <a:xfrm>
+                <a:off x="6707400" y="5520710"/>
+                <a:ext cx="419415" cy="400110"/>
+              </a:xfrm>
+              <a:prstGeom prst="rect">
+                <a:avLst/>
+              </a:prstGeom>
+              <a:blipFill>
+                <a:blip r:embed="rId4"/>
+                <a:stretch>
+                  <a:fillRect b="-3030"/>
+                </a:stretch>
+              </a:blipFill>
+            </p:spPr>
+            <p:txBody>
+              <a:bodyPr/>
+              <a:lstStyle/>
+              <a:p>
+                <a:r>
+                  <a:rPr lang="ja-JP" altLang="en-US">
+                    <a:noFill/>
+                  </a:rPr>
+                  <a:t> </a:t>
+                </a:r>
+              </a:p>
+            </p:txBody>
+          </p:sp>
+        </mc:Fallback>
+      </mc:AlternateContent>
+      <mc:AlternateContent xmlns:mc="http://schemas.openxmlformats.org/markup-compatibility/2006">
+        <mc:Choice xmlns:a14="http://schemas.microsoft.com/office/drawing/2010/main" Requires="a14">
+          <p:sp>
+            <p:nvSpPr>
+              <p:cNvPr id="59" name="テキスト ボックス 58">
+                <a:extLst>
+                  <a:ext uri="{FF2B5EF4-FFF2-40B4-BE49-F238E27FC236}">
+                    <a16:creationId xmlns:a16="http://schemas.microsoft.com/office/drawing/2014/main" id="{36594C16-3EDC-4360-9E5B-A1872D7491D2}"/>
+                  </a:ext>
+                </a:extLst>
+              </p:cNvPr>
+              <p:cNvSpPr txBox="1"/>
+              <p:nvPr/>
+            </p:nvSpPr>
+            <p:spPr>
+              <a:xfrm>
+                <a:off x="5309592" y="5517641"/>
+                <a:ext cx="419415" cy="400110"/>
+              </a:xfrm>
+              <a:prstGeom prst="rect">
+                <a:avLst/>
+              </a:prstGeom>
+              <a:noFill/>
+            </p:spPr>
+            <p:txBody>
+              <a:bodyPr wrap="square" rtlCol="0">
+                <a:spAutoFit/>
+              </a:bodyPr>
+              <a:lstStyle/>
+              <a:p>
+                <a14:m>
+                  <m:oMathPara xmlns:m="http://schemas.openxmlformats.org/officeDocument/2006/math">
+                    <m:oMathParaPr>
+                      <m:jc m:val="centerGroup"/>
+                    </m:oMathParaPr>
+                    <m:oMath xmlns:m="http://schemas.openxmlformats.org/officeDocument/2006/math">
+                      <m:sSub>
+                        <m:sSubPr>
+                          <m:ctrlPr>
+                            <a:rPr lang="en-US" altLang="ja-JP" sz="2000" b="0" i="1" smtClean="0">
+                              <a:solidFill>
+                                <a:schemeClr val="tx1">
+                                  <a:lumMod val="75000"/>
+                                  <a:lumOff val="25000"/>
+                                </a:schemeClr>
+                              </a:solidFill>
+                              <a:latin typeface="Cambria Math" panose="02040503050406030204" pitchFamily="18" charset="0"/>
+                              <a:ea typeface="BIZ UDPGothic" panose="020B0400000000000000" pitchFamily="34" charset="-128"/>
+                            </a:rPr>
+                          </m:ctrlPr>
+                        </m:sSubPr>
+                        <m:e>
+                          <m:r>
+                            <a:rPr lang="en-US" altLang="ja-JP" sz="2000" b="0" i="1" smtClean="0">
+                              <a:solidFill>
+                                <a:schemeClr val="tx1">
+                                  <a:lumMod val="75000"/>
+                                  <a:lumOff val="25000"/>
+                                </a:schemeClr>
+                              </a:solidFill>
+                              <a:latin typeface="Cambria Math" panose="02040503050406030204" pitchFamily="18" charset="0"/>
+                              <a:ea typeface="BIZ UDPGothic" panose="020B0400000000000000" pitchFamily="34" charset="-128"/>
+                            </a:rPr>
+                            <m:t>𝑋</m:t>
+                          </m:r>
+                        </m:e>
+                        <m:sub>
+                          <m:r>
+                            <a:rPr lang="en-US" altLang="ja-JP" sz="2000" b="0" i="1" smtClean="0">
+                              <a:solidFill>
+                                <a:schemeClr val="tx1">
+                                  <a:lumMod val="75000"/>
+                                  <a:lumOff val="25000"/>
+                                </a:schemeClr>
+                              </a:solidFill>
+                              <a:latin typeface="Cambria Math" panose="02040503050406030204" pitchFamily="18" charset="0"/>
+                              <a:ea typeface="BIZ UDPGothic" panose="020B0400000000000000" pitchFamily="34" charset="-128"/>
+                            </a:rPr>
+                            <m:t>2</m:t>
+                          </m:r>
+                        </m:sub>
+                      </m:sSub>
+                    </m:oMath>
+                  </m:oMathPara>
+                </a14:m>
+                <a:endParaRPr kumimoji="1" lang="ja-JP" altLang="en-US" sz="2000">
+                  <a:solidFill>
+                    <a:srgbClr val="C00000"/>
+                  </a:solidFill>
+                  <a:latin typeface="BIZ UDPGothic" panose="020B0400000000000000" pitchFamily="34" charset="-128"/>
+                  <a:ea typeface="BIZ UDPGothic" panose="020B0400000000000000" pitchFamily="34" charset="-128"/>
+                </a:endParaRPr>
+              </a:p>
+            </p:txBody>
+          </p:sp>
+        </mc:Choice>
+        <mc:Fallback>
+          <p:sp>
+            <p:nvSpPr>
+              <p:cNvPr id="59" name="テキスト ボックス 58">
+                <a:extLst>
+                  <a:ext uri="{FF2B5EF4-FFF2-40B4-BE49-F238E27FC236}">
+                    <a16:creationId xmlns:a16="http://schemas.microsoft.com/office/drawing/2014/main" id="{36594C16-3EDC-4360-9E5B-A1872D7491D2}"/>
+                  </a:ext>
+                </a:extLst>
+              </p:cNvPr>
+              <p:cNvSpPr txBox="1">
+                <a:spLocks noRot="1" noChangeAspect="1" noMove="1" noResize="1" noEditPoints="1" noAdjustHandles="1" noChangeArrowheads="1" noChangeShapeType="1" noTextEdit="1"/>
+              </p:cNvSpPr>
+              <p:nvPr/>
+            </p:nvSpPr>
+            <p:spPr>
+              <a:xfrm>
+                <a:off x="5309592" y="5517641"/>
+                <a:ext cx="419415" cy="400110"/>
+              </a:xfrm>
+              <a:prstGeom prst="rect">
+                <a:avLst/>
+              </a:prstGeom>
+              <a:blipFill>
+                <a:blip r:embed="rId5"/>
+                <a:stretch>
+                  <a:fillRect b="-3030"/>
+                </a:stretch>
+              </a:blipFill>
+            </p:spPr>
+            <p:txBody>
+              <a:bodyPr/>
+              <a:lstStyle/>
+              <a:p>
+                <a:r>
+                  <a:rPr lang="ja-JP" altLang="en-US">
+                    <a:noFill/>
+                  </a:rPr>
+                  <a:t> </a:t>
+                </a:r>
+              </a:p>
+            </p:txBody>
+          </p:sp>
+        </mc:Fallback>
+      </mc:AlternateContent>
+      <mc:AlternateContent xmlns:mc="http://schemas.openxmlformats.org/markup-compatibility/2006">
+        <mc:Choice xmlns:a14="http://schemas.microsoft.com/office/drawing/2010/main" Requires="a14">
+          <p:sp>
+            <p:nvSpPr>
+              <p:cNvPr id="60" name="テキスト ボックス 59">
+                <a:extLst>
+                  <a:ext uri="{FF2B5EF4-FFF2-40B4-BE49-F238E27FC236}">
+                    <a16:creationId xmlns:a16="http://schemas.microsoft.com/office/drawing/2014/main" id="{4DBABA2C-9739-ECD6-691D-E6837C8884BA}"/>
+                  </a:ext>
+                </a:extLst>
+              </p:cNvPr>
+              <p:cNvSpPr txBox="1"/>
+              <p:nvPr/>
+            </p:nvSpPr>
+            <p:spPr>
+              <a:xfrm>
+                <a:off x="2499364" y="3346577"/>
+                <a:ext cx="419415" cy="400110"/>
+              </a:xfrm>
+              <a:prstGeom prst="rect">
+                <a:avLst/>
+              </a:prstGeom>
+              <a:noFill/>
+            </p:spPr>
+            <p:txBody>
+              <a:bodyPr wrap="square" rtlCol="0">
+                <a:spAutoFit/>
+              </a:bodyPr>
+              <a:lstStyle/>
+              <a:p>
+                <a14:m>
+                  <m:oMathPara xmlns:m="http://schemas.openxmlformats.org/officeDocument/2006/math">
+                    <m:oMathParaPr>
+                      <m:jc m:val="centerGroup"/>
+                    </m:oMathParaPr>
+                    <m:oMath xmlns:m="http://schemas.openxmlformats.org/officeDocument/2006/math">
+                      <m:sSub>
+                        <m:sSubPr>
+                          <m:ctrlPr>
+                            <a:rPr lang="en-US" altLang="ja-JP" sz="2000" b="0" i="1" smtClean="0">
+                              <a:solidFill>
+                                <a:schemeClr val="tx1">
+                                  <a:lumMod val="75000"/>
+                                  <a:lumOff val="25000"/>
+                                </a:schemeClr>
+                              </a:solidFill>
+                              <a:latin typeface="Cambria Math" panose="02040503050406030204" pitchFamily="18" charset="0"/>
+                              <a:ea typeface="BIZ UDPGothic" panose="020B0400000000000000" pitchFamily="34" charset="-128"/>
+                            </a:rPr>
+                          </m:ctrlPr>
+                        </m:sSubPr>
+                        <m:e>
+                          <m:r>
+                            <a:rPr lang="en-US" altLang="ja-JP" sz="2000" b="0" i="1" smtClean="0">
+                              <a:solidFill>
+                                <a:schemeClr val="tx1">
+                                  <a:lumMod val="75000"/>
+                                  <a:lumOff val="25000"/>
+                                </a:schemeClr>
+                              </a:solidFill>
+                              <a:latin typeface="Cambria Math" panose="02040503050406030204" pitchFamily="18" charset="0"/>
+                              <a:ea typeface="BIZ UDPGothic" panose="020B0400000000000000" pitchFamily="34" charset="-128"/>
+                            </a:rPr>
+                            <m:t>𝑌</m:t>
+                          </m:r>
+                        </m:e>
+                        <m:sub>
+                          <m:r>
+                            <a:rPr lang="en-US" altLang="ja-JP" sz="2000" b="0" i="1" smtClean="0">
+                              <a:solidFill>
+                                <a:schemeClr val="tx1">
+                                  <a:lumMod val="75000"/>
+                                  <a:lumOff val="25000"/>
+                                </a:schemeClr>
+                              </a:solidFill>
+                              <a:latin typeface="Cambria Math" panose="02040503050406030204" pitchFamily="18" charset="0"/>
+                              <a:ea typeface="BIZ UDPGothic" panose="020B0400000000000000" pitchFamily="34" charset="-128"/>
+                            </a:rPr>
+                            <m:t>2</m:t>
+                          </m:r>
+                        </m:sub>
+                      </m:sSub>
+                    </m:oMath>
+                  </m:oMathPara>
+                </a14:m>
+                <a:endParaRPr kumimoji="1" lang="ja-JP" altLang="en-US" sz="2000">
+                  <a:solidFill>
+                    <a:srgbClr val="C00000"/>
+                  </a:solidFill>
+                  <a:latin typeface="BIZ UDPGothic" panose="020B0400000000000000" pitchFamily="34" charset="-128"/>
+                  <a:ea typeface="BIZ UDPGothic" panose="020B0400000000000000" pitchFamily="34" charset="-128"/>
+                </a:endParaRPr>
+              </a:p>
+            </p:txBody>
+          </p:sp>
+        </mc:Choice>
+        <mc:Fallback>
+          <p:sp>
+            <p:nvSpPr>
+              <p:cNvPr id="60" name="テキスト ボックス 59">
+                <a:extLst>
+                  <a:ext uri="{FF2B5EF4-FFF2-40B4-BE49-F238E27FC236}">
+                    <a16:creationId xmlns:a16="http://schemas.microsoft.com/office/drawing/2014/main" id="{4DBABA2C-9739-ECD6-691D-E6837C8884BA}"/>
+                  </a:ext>
+                </a:extLst>
+              </p:cNvPr>
+              <p:cNvSpPr txBox="1">
+                <a:spLocks noRot="1" noChangeAspect="1" noMove="1" noResize="1" noEditPoints="1" noAdjustHandles="1" noChangeArrowheads="1" noChangeShapeType="1" noTextEdit="1"/>
+              </p:cNvSpPr>
+              <p:nvPr/>
+            </p:nvSpPr>
+            <p:spPr>
+              <a:xfrm>
+                <a:off x="2499364" y="3346577"/>
+                <a:ext cx="419415" cy="400110"/>
+              </a:xfrm>
+              <a:prstGeom prst="rect">
+                <a:avLst/>
+              </a:prstGeom>
+              <a:blipFill>
+                <a:blip r:embed="rId6"/>
+                <a:stretch>
+                  <a:fillRect b="-3030"/>
+                </a:stretch>
+              </a:blipFill>
+            </p:spPr>
+            <p:txBody>
+              <a:bodyPr/>
+              <a:lstStyle/>
+              <a:p>
+                <a:r>
+                  <a:rPr lang="ja-JP" altLang="en-US">
+                    <a:noFill/>
+                  </a:rPr>
+                  <a:t> </a:t>
+                </a:r>
+              </a:p>
+            </p:txBody>
+          </p:sp>
+        </mc:Fallback>
+      </mc:AlternateContent>
+      <mc:AlternateContent xmlns:mc="http://schemas.openxmlformats.org/markup-compatibility/2006">
+        <mc:Choice xmlns:a14="http://schemas.microsoft.com/office/drawing/2010/main" Requires="a14">
+          <p:sp>
+            <p:nvSpPr>
+              <p:cNvPr id="61" name="テキスト ボックス 60">
+                <a:extLst>
+                  <a:ext uri="{FF2B5EF4-FFF2-40B4-BE49-F238E27FC236}">
+                    <a16:creationId xmlns:a16="http://schemas.microsoft.com/office/drawing/2014/main" id="{F54208A9-D7BA-195B-5BD3-04F0AD62B47A}"/>
+                  </a:ext>
+                </a:extLst>
+              </p:cNvPr>
+              <p:cNvSpPr txBox="1"/>
+              <p:nvPr/>
+            </p:nvSpPr>
+            <p:spPr>
+              <a:xfrm>
+                <a:off x="2500667" y="2279619"/>
+                <a:ext cx="419415" cy="400110"/>
+              </a:xfrm>
+              <a:prstGeom prst="rect">
+                <a:avLst/>
+              </a:prstGeom>
+              <a:noFill/>
+            </p:spPr>
+            <p:txBody>
+              <a:bodyPr wrap="square" rtlCol="0">
+                <a:spAutoFit/>
+              </a:bodyPr>
+              <a:lstStyle/>
+              <a:p>
+                <a14:m>
+                  <m:oMathPara xmlns:m="http://schemas.openxmlformats.org/officeDocument/2006/math">
+                    <m:oMathParaPr>
+                      <m:jc m:val="centerGroup"/>
+                    </m:oMathParaPr>
+                    <m:oMath xmlns:m="http://schemas.openxmlformats.org/officeDocument/2006/math">
+                      <m:sSub>
+                        <m:sSubPr>
+                          <m:ctrlPr>
+                            <a:rPr lang="en-US" altLang="ja-JP" sz="2000" b="0" i="1" smtClean="0">
+                              <a:solidFill>
+                                <a:schemeClr val="tx1">
+                                  <a:lumMod val="75000"/>
+                                  <a:lumOff val="25000"/>
+                                </a:schemeClr>
+                              </a:solidFill>
+                              <a:latin typeface="Cambria Math" panose="02040503050406030204" pitchFamily="18" charset="0"/>
+                              <a:ea typeface="BIZ UDPGothic" panose="020B0400000000000000" pitchFamily="34" charset="-128"/>
+                            </a:rPr>
+                          </m:ctrlPr>
+                        </m:sSubPr>
+                        <m:e>
+                          <m:r>
+                            <a:rPr lang="en-US" altLang="ja-JP" sz="2000" b="0" i="1" smtClean="0">
+                              <a:solidFill>
+                                <a:schemeClr val="tx1">
+                                  <a:lumMod val="75000"/>
+                                  <a:lumOff val="25000"/>
+                                </a:schemeClr>
+                              </a:solidFill>
+                              <a:latin typeface="Cambria Math" panose="02040503050406030204" pitchFamily="18" charset="0"/>
+                              <a:ea typeface="BIZ UDPGothic" panose="020B0400000000000000" pitchFamily="34" charset="-128"/>
+                            </a:rPr>
+                            <m:t>𝑌</m:t>
+                          </m:r>
+                        </m:e>
+                        <m:sub>
+                          <m:r>
+                            <a:rPr lang="en-US" altLang="ja-JP" sz="2000" b="0" i="1" smtClean="0">
+                              <a:solidFill>
+                                <a:schemeClr val="tx1">
+                                  <a:lumMod val="75000"/>
+                                  <a:lumOff val="25000"/>
+                                </a:schemeClr>
+                              </a:solidFill>
+                              <a:latin typeface="Cambria Math" panose="02040503050406030204" pitchFamily="18" charset="0"/>
+                              <a:ea typeface="BIZ UDPGothic" panose="020B0400000000000000" pitchFamily="34" charset="-128"/>
+                            </a:rPr>
+                            <m:t>1</m:t>
+                          </m:r>
+                        </m:sub>
+                      </m:sSub>
+                    </m:oMath>
+                  </m:oMathPara>
+                </a14:m>
+                <a:endParaRPr kumimoji="1" lang="ja-JP" altLang="en-US" sz="2000">
+                  <a:solidFill>
+                    <a:srgbClr val="C00000"/>
+                  </a:solidFill>
+                  <a:latin typeface="BIZ UDPGothic" panose="020B0400000000000000" pitchFamily="34" charset="-128"/>
+                  <a:ea typeface="BIZ UDPGothic" panose="020B0400000000000000" pitchFamily="34" charset="-128"/>
+                </a:endParaRPr>
+              </a:p>
+            </p:txBody>
+          </p:sp>
+        </mc:Choice>
+        <mc:Fallback>
+          <p:sp>
+            <p:nvSpPr>
+              <p:cNvPr id="61" name="テキスト ボックス 60">
+                <a:extLst>
+                  <a:ext uri="{FF2B5EF4-FFF2-40B4-BE49-F238E27FC236}">
+                    <a16:creationId xmlns:a16="http://schemas.microsoft.com/office/drawing/2014/main" id="{F54208A9-D7BA-195B-5BD3-04F0AD62B47A}"/>
+                  </a:ext>
+                </a:extLst>
+              </p:cNvPr>
+              <p:cNvSpPr txBox="1">
+                <a:spLocks noRot="1" noChangeAspect="1" noMove="1" noResize="1" noEditPoints="1" noAdjustHandles="1" noChangeArrowheads="1" noChangeShapeType="1" noTextEdit="1"/>
+              </p:cNvSpPr>
+              <p:nvPr/>
+            </p:nvSpPr>
+            <p:spPr>
+              <a:xfrm>
+                <a:off x="2500667" y="2279619"/>
+                <a:ext cx="419415" cy="400110"/>
+              </a:xfrm>
+              <a:prstGeom prst="rect">
+                <a:avLst/>
+              </a:prstGeom>
+              <a:blipFill>
+                <a:blip r:embed="rId7"/>
+                <a:stretch>
+                  <a:fillRect/>
+                </a:stretch>
+              </a:blipFill>
+            </p:spPr>
+            <p:txBody>
+              <a:bodyPr/>
+              <a:lstStyle/>
+              <a:p>
+                <a:r>
+                  <a:rPr lang="ja-JP" altLang="en-US">
+                    <a:noFill/>
+                  </a:rPr>
+                  <a:t> </a:t>
+                </a:r>
+              </a:p>
+            </p:txBody>
+          </p:sp>
+        </mc:Fallback>
+      </mc:AlternateContent>
+      <mc:AlternateContent xmlns:mc="http://schemas.openxmlformats.org/markup-compatibility/2006">
+        <mc:Choice xmlns:a14="http://schemas.microsoft.com/office/drawing/2010/main" Requires="a14">
+          <p:sp>
+            <p:nvSpPr>
+              <p:cNvPr id="62" name="テキスト ボックス 61">
+                <a:extLst>
+                  <a:ext uri="{FF2B5EF4-FFF2-40B4-BE49-F238E27FC236}">
+                    <a16:creationId xmlns:a16="http://schemas.microsoft.com/office/drawing/2014/main" id="{1CE69D50-4409-8996-8E58-5CA9D701B677}"/>
+                  </a:ext>
+                </a:extLst>
+              </p:cNvPr>
+              <p:cNvSpPr txBox="1"/>
+              <p:nvPr/>
+            </p:nvSpPr>
+            <p:spPr>
+              <a:xfrm>
+                <a:off x="6416643" y="2079564"/>
+                <a:ext cx="1000928" cy="400110"/>
+              </a:xfrm>
+              <a:prstGeom prst="rect">
+                <a:avLst/>
+              </a:prstGeom>
+              <a:noFill/>
+            </p:spPr>
+            <p:txBody>
+              <a:bodyPr wrap="square" rtlCol="0">
+                <a:spAutoFit/>
+              </a:bodyPr>
+              <a:lstStyle/>
+              <a:p>
+                <a14:m>
+                  <m:oMathPara xmlns:m="http://schemas.openxmlformats.org/officeDocument/2006/math">
+                    <m:oMathParaPr>
+                      <m:jc m:val="centerGroup"/>
+                    </m:oMathParaPr>
+                    <m:oMath xmlns:m="http://schemas.openxmlformats.org/officeDocument/2006/math">
+                      <m:sSub>
+                        <m:sSubPr>
+                          <m:ctrlPr>
+                            <a:rPr lang="en-US" altLang="ja-JP" sz="2000" b="0" i="1" smtClean="0">
+                              <a:solidFill>
+                                <a:schemeClr val="tx1">
+                                  <a:lumMod val="75000"/>
+                                  <a:lumOff val="25000"/>
+                                </a:schemeClr>
+                              </a:solidFill>
+                              <a:latin typeface="Cambria Math" panose="02040503050406030204" pitchFamily="18" charset="0"/>
+                              <a:ea typeface="BIZ UDPGothic" panose="020B0400000000000000" pitchFamily="34" charset="-128"/>
+                            </a:rPr>
+                          </m:ctrlPr>
+                        </m:sSubPr>
+                        <m:e>
+                          <m:r>
+                            <a:rPr lang="en-US" altLang="ja-JP" sz="2000" b="0" i="1" smtClean="0">
+                              <a:solidFill>
+                                <a:schemeClr val="tx1">
+                                  <a:lumMod val="75000"/>
+                                  <a:lumOff val="25000"/>
+                                </a:schemeClr>
+                              </a:solidFill>
+                              <a:latin typeface="Cambria Math" panose="02040503050406030204" pitchFamily="18" charset="0"/>
+                              <a:ea typeface="BIZ UDPGothic" panose="020B0400000000000000" pitchFamily="34" charset="-128"/>
+                            </a:rPr>
+                            <m:t>(</m:t>
+                          </m:r>
+                          <m:r>
+                            <a:rPr lang="en-US" altLang="ja-JP" sz="2000" b="0" i="1" smtClean="0">
+                              <a:solidFill>
+                                <a:schemeClr val="tx1">
+                                  <a:lumMod val="75000"/>
+                                  <a:lumOff val="25000"/>
+                                </a:schemeClr>
+                              </a:solidFill>
+                              <a:latin typeface="Cambria Math" panose="02040503050406030204" pitchFamily="18" charset="0"/>
+                              <a:ea typeface="BIZ UDPGothic" panose="020B0400000000000000" pitchFamily="34" charset="-128"/>
+                            </a:rPr>
+                            <m:t>𝑋</m:t>
+                          </m:r>
+                        </m:e>
+                        <m:sub>
+                          <m:r>
+                            <a:rPr lang="en-US" altLang="ja-JP" sz="2000" b="0" i="1" smtClean="0">
+                              <a:solidFill>
+                                <a:schemeClr val="tx1">
+                                  <a:lumMod val="75000"/>
+                                  <a:lumOff val="25000"/>
+                                </a:schemeClr>
+                              </a:solidFill>
+                              <a:latin typeface="Cambria Math" panose="02040503050406030204" pitchFamily="18" charset="0"/>
+                              <a:ea typeface="BIZ UDPGothic" panose="020B0400000000000000" pitchFamily="34" charset="-128"/>
+                            </a:rPr>
+                            <m:t>1</m:t>
+                          </m:r>
+                        </m:sub>
+                      </m:sSub>
+                      <m:r>
+                        <a:rPr lang="en-US" altLang="ja-JP" sz="2000" b="0" i="1" smtClean="0">
+                          <a:solidFill>
+                            <a:schemeClr val="tx1">
+                              <a:lumMod val="75000"/>
+                              <a:lumOff val="25000"/>
+                            </a:schemeClr>
+                          </a:solidFill>
+                          <a:latin typeface="Cambria Math" panose="02040503050406030204" pitchFamily="18" charset="0"/>
+                          <a:ea typeface="BIZ UDPGothic" panose="020B0400000000000000" pitchFamily="34" charset="-128"/>
+                        </a:rPr>
+                        <m:t>,</m:t>
+                      </m:r>
+                      <m:sSub>
+                        <m:sSubPr>
+                          <m:ctrlPr>
+                            <a:rPr lang="en-US" altLang="ja-JP" sz="2000" b="0" i="1" smtClean="0">
+                              <a:solidFill>
+                                <a:schemeClr val="tx1">
+                                  <a:lumMod val="75000"/>
+                                  <a:lumOff val="25000"/>
+                                </a:schemeClr>
+                              </a:solidFill>
+                              <a:latin typeface="Cambria Math" panose="02040503050406030204" pitchFamily="18" charset="0"/>
+                              <a:ea typeface="BIZ UDPGothic" panose="020B0400000000000000" pitchFamily="34" charset="-128"/>
+                            </a:rPr>
+                          </m:ctrlPr>
+                        </m:sSubPr>
+                        <m:e>
+                          <m:r>
+                            <a:rPr lang="en-US" altLang="ja-JP" sz="2000" b="0" i="1" smtClean="0">
+                              <a:solidFill>
+                                <a:schemeClr val="tx1">
+                                  <a:lumMod val="75000"/>
+                                  <a:lumOff val="25000"/>
+                                </a:schemeClr>
+                              </a:solidFill>
+                              <a:latin typeface="Cambria Math" panose="02040503050406030204" pitchFamily="18" charset="0"/>
+                              <a:ea typeface="BIZ UDPGothic" panose="020B0400000000000000" pitchFamily="34" charset="-128"/>
+                            </a:rPr>
+                            <m:t>𝑌</m:t>
+                          </m:r>
+                        </m:e>
+                        <m:sub>
+                          <m:r>
+                            <a:rPr lang="en-US" altLang="ja-JP" sz="2000" b="0" i="1" smtClean="0">
+                              <a:solidFill>
+                                <a:schemeClr val="tx1">
+                                  <a:lumMod val="75000"/>
+                                  <a:lumOff val="25000"/>
+                                </a:schemeClr>
+                              </a:solidFill>
+                              <a:latin typeface="Cambria Math" panose="02040503050406030204" pitchFamily="18" charset="0"/>
+                              <a:ea typeface="BIZ UDPGothic" panose="020B0400000000000000" pitchFamily="34" charset="-128"/>
+                            </a:rPr>
+                            <m:t>1</m:t>
+                          </m:r>
+                        </m:sub>
+                      </m:sSub>
+                      <m:r>
+                        <a:rPr lang="en-US" altLang="ja-JP" sz="2000" b="0" i="1" smtClean="0">
+                          <a:solidFill>
+                            <a:schemeClr val="tx1">
+                              <a:lumMod val="75000"/>
+                              <a:lumOff val="25000"/>
+                            </a:schemeClr>
+                          </a:solidFill>
+                          <a:latin typeface="Cambria Math" panose="02040503050406030204" pitchFamily="18" charset="0"/>
+                          <a:ea typeface="BIZ UDPGothic" panose="020B0400000000000000" pitchFamily="34" charset="-128"/>
+                        </a:rPr>
+                        <m:t>)</m:t>
+                      </m:r>
+                    </m:oMath>
+                  </m:oMathPara>
+                </a14:m>
+                <a:endParaRPr kumimoji="1" lang="ja-JP" altLang="en-US" sz="2000">
+                  <a:solidFill>
+                    <a:srgbClr val="C00000"/>
+                  </a:solidFill>
+                  <a:latin typeface="BIZ UDPGothic" panose="020B0400000000000000" pitchFamily="34" charset="-128"/>
+                  <a:ea typeface="BIZ UDPGothic" panose="020B0400000000000000" pitchFamily="34" charset="-128"/>
+                </a:endParaRPr>
+              </a:p>
+            </p:txBody>
+          </p:sp>
+        </mc:Choice>
+        <mc:Fallback>
+          <p:sp>
+            <p:nvSpPr>
+              <p:cNvPr id="62" name="テキスト ボックス 61">
+                <a:extLst>
+                  <a:ext uri="{FF2B5EF4-FFF2-40B4-BE49-F238E27FC236}">
+                    <a16:creationId xmlns:a16="http://schemas.microsoft.com/office/drawing/2014/main" id="{1CE69D50-4409-8996-8E58-5CA9D701B677}"/>
+                  </a:ext>
+                </a:extLst>
+              </p:cNvPr>
+              <p:cNvSpPr txBox="1">
+                <a:spLocks noRot="1" noChangeAspect="1" noMove="1" noResize="1" noEditPoints="1" noAdjustHandles="1" noChangeArrowheads="1" noChangeShapeType="1" noTextEdit="1"/>
+              </p:cNvSpPr>
+              <p:nvPr/>
+            </p:nvSpPr>
+            <p:spPr>
+              <a:xfrm>
+                <a:off x="6416643" y="2079564"/>
+                <a:ext cx="1000928" cy="400110"/>
+              </a:xfrm>
+              <a:prstGeom prst="rect">
+                <a:avLst/>
+              </a:prstGeom>
+              <a:blipFill>
+                <a:blip r:embed="rId8"/>
+                <a:stretch>
+                  <a:fillRect l="-1250" r="-1250" b="-15152"/>
+                </a:stretch>
+              </a:blipFill>
+            </p:spPr>
+            <p:txBody>
+              <a:bodyPr/>
+              <a:lstStyle/>
+              <a:p>
+                <a:r>
+                  <a:rPr lang="ja-JP" altLang="en-US">
+                    <a:noFill/>
+                  </a:rPr>
+                  <a:t> </a:t>
+                </a:r>
+              </a:p>
+            </p:txBody>
+          </p:sp>
+        </mc:Fallback>
+      </mc:AlternateContent>
+      <p:sp>
+        <p:nvSpPr>
+          <p:cNvPr id="65" name="右中かっこ 64">
+            <a:extLst>
+              <a:ext uri="{FF2B5EF4-FFF2-40B4-BE49-F238E27FC236}">
+                <a16:creationId xmlns:a16="http://schemas.microsoft.com/office/drawing/2014/main" id="{E5D411A8-BE89-E897-2001-D47AFECBC5DC}"/>
+              </a:ext>
+            </a:extLst>
+          </p:cNvPr>
+          <p:cNvSpPr/>
+          <p:nvPr/>
+        </p:nvSpPr>
+        <p:spPr>
+          <a:xfrm>
+            <a:off x="2916870" y="4610949"/>
+            <a:ext cx="245186" cy="894817"/>
+          </a:xfrm>
+          <a:prstGeom prst="rightBrace">
+            <a:avLst>
+              <a:gd name="adj1" fmla="val 29729"/>
+              <a:gd name="adj2" fmla="val 50000"/>
+            </a:avLst>
+          </a:prstGeom>
+          <a:ln w="25400" cap="rnd">
+            <a:bevel/>
+          </a:ln>
+        </p:spPr>
+        <p:style>
+          <a:lnRef idx="1">
+            <a:schemeClr val="accent1"/>
+          </a:lnRef>
+          <a:fillRef idx="0">
+            <a:schemeClr val="accent1"/>
+          </a:fillRef>
+          <a:effectRef idx="0">
+            <a:schemeClr val="accent1"/>
+          </a:effectRef>
+          <a:fontRef idx="minor">
+            <a:schemeClr val="tx1"/>
+          </a:fontRef>
+        </p:style>
+        <p:txBody>
+          <a:bodyPr rtlCol="0" anchor="ctr"/>
+          <a:lstStyle/>
+          <a:p>
+            <a:pPr algn="ctr"/>
+            <a:endParaRPr kumimoji="1" lang="ja-JP" altLang="en-US"/>
+          </a:p>
+        </p:txBody>
+      </p:sp>
+      <mc:AlternateContent xmlns:mc="http://schemas.openxmlformats.org/markup-compatibility/2006">
+        <mc:Choice xmlns:a14="http://schemas.microsoft.com/office/drawing/2010/main" Requires="a14">
+          <p:sp>
+            <p:nvSpPr>
+              <p:cNvPr id="66" name="テキスト ボックス 65">
+                <a:extLst>
+                  <a:ext uri="{FF2B5EF4-FFF2-40B4-BE49-F238E27FC236}">
+                    <a16:creationId xmlns:a16="http://schemas.microsoft.com/office/drawing/2014/main" id="{D2EF6765-A417-E901-9DC4-723EBDE71C3E}"/>
+                  </a:ext>
+                </a:extLst>
+              </p:cNvPr>
+              <p:cNvSpPr txBox="1"/>
+              <p:nvPr/>
+            </p:nvSpPr>
+            <p:spPr>
+              <a:xfrm>
+                <a:off x="3093603" y="4829467"/>
+                <a:ext cx="413157" cy="400110"/>
+              </a:xfrm>
+              <a:prstGeom prst="rect">
+                <a:avLst/>
+              </a:prstGeom>
+              <a:noFill/>
+            </p:spPr>
+            <p:txBody>
+              <a:bodyPr wrap="square" rtlCol="0">
+                <a:spAutoFit/>
+              </a:bodyPr>
+              <a:lstStyle/>
+              <a:p>
+                <a14:m>
+                  <m:oMathPara xmlns:m="http://schemas.openxmlformats.org/officeDocument/2006/math">
+                    <m:oMathParaPr>
+                      <m:jc m:val="centerGroup"/>
+                    </m:oMathParaPr>
+                    <m:oMath xmlns:m="http://schemas.openxmlformats.org/officeDocument/2006/math">
+                      <m:r>
+                        <a:rPr lang="en-US" altLang="ja-JP" sz="2000" b="1" i="1" smtClean="0">
+                          <a:solidFill>
+                            <a:schemeClr val="accent1">
+                              <a:lumMod val="75000"/>
+                            </a:schemeClr>
+                          </a:solidFill>
+                          <a:latin typeface="Cambria Math" panose="02040503050406030204" pitchFamily="18" charset="0"/>
+                          <a:ea typeface="BIZ UDPGothic" panose="020B0400000000000000" pitchFamily="34" charset="-128"/>
+                        </a:rPr>
+                        <m:t>𝒂</m:t>
+                      </m:r>
+                    </m:oMath>
+                  </m:oMathPara>
+                </a14:m>
+                <a:endParaRPr kumimoji="1" lang="ja-JP" altLang="en-US" sz="2000" b="1">
+                  <a:solidFill>
+                    <a:schemeClr val="accent1">
+                      <a:lumMod val="75000"/>
+                    </a:schemeClr>
+                  </a:solidFill>
+                  <a:latin typeface="BIZ UDPGothic" panose="020B0400000000000000" pitchFamily="34" charset="-128"/>
+                  <a:ea typeface="BIZ UDPGothic" panose="020B0400000000000000" pitchFamily="34" charset="-128"/>
+                </a:endParaRPr>
+              </a:p>
+            </p:txBody>
+          </p:sp>
+        </mc:Choice>
+        <mc:Fallback>
+          <p:sp>
+            <p:nvSpPr>
+              <p:cNvPr id="66" name="テキスト ボックス 65">
+                <a:extLst>
+                  <a:ext uri="{FF2B5EF4-FFF2-40B4-BE49-F238E27FC236}">
+                    <a16:creationId xmlns:a16="http://schemas.microsoft.com/office/drawing/2014/main" id="{D2EF6765-A417-E901-9DC4-723EBDE71C3E}"/>
+                  </a:ext>
+                </a:extLst>
+              </p:cNvPr>
+              <p:cNvSpPr txBox="1">
+                <a:spLocks noRot="1" noChangeAspect="1" noMove="1" noResize="1" noEditPoints="1" noAdjustHandles="1" noChangeArrowheads="1" noChangeShapeType="1" noTextEdit="1"/>
+              </p:cNvSpPr>
+              <p:nvPr/>
+            </p:nvSpPr>
+            <p:spPr>
+              <a:xfrm>
+                <a:off x="3093603" y="4829467"/>
+                <a:ext cx="413157" cy="400110"/>
+              </a:xfrm>
+              <a:prstGeom prst="rect">
+                <a:avLst/>
+              </a:prstGeom>
+              <a:blipFill>
+                <a:blip r:embed="rId9"/>
+                <a:stretch>
+                  <a:fillRect/>
+                </a:stretch>
+              </a:blipFill>
+            </p:spPr>
+            <p:txBody>
+              <a:bodyPr/>
+              <a:lstStyle/>
+              <a:p>
+                <a:r>
+                  <a:rPr lang="ja-JP" altLang="en-US">
+                    <a:noFill/>
+                  </a:rPr>
+                  <a:t> </a:t>
+                </a:r>
+              </a:p>
+            </p:txBody>
+          </p:sp>
+        </mc:Fallback>
+      </mc:AlternateContent>
+      <p:cxnSp>
+        <p:nvCxnSpPr>
+          <p:cNvPr id="67" name="直線コネクタ 66">
+            <a:extLst>
+              <a:ext uri="{FF2B5EF4-FFF2-40B4-BE49-F238E27FC236}">
+                <a16:creationId xmlns:a16="http://schemas.microsoft.com/office/drawing/2014/main" id="{306C73F3-2CE3-D4FF-B202-9B1BFCBDC0FC}"/>
+              </a:ext>
+            </a:extLst>
+          </p:cNvPr>
+          <p:cNvCxnSpPr>
+            <a:cxnSpLocks/>
+          </p:cNvCxnSpPr>
+          <p:nvPr/>
+        </p:nvCxnSpPr>
+        <p:spPr>
+          <a:xfrm>
+            <a:off x="5974406" y="3418694"/>
+            <a:ext cx="1056107" cy="0"/>
+          </a:xfrm>
+          <a:prstGeom prst="line">
+            <a:avLst/>
+          </a:prstGeom>
+          <a:ln w="19050">
+            <a:solidFill>
+              <a:schemeClr val="tx1">
+                <a:lumMod val="75000"/>
+                <a:lumOff val="25000"/>
+              </a:schemeClr>
+            </a:solidFill>
+          </a:ln>
+        </p:spPr>
+        <p:style>
+          <a:lnRef idx="1">
+            <a:schemeClr val="accent1"/>
+          </a:lnRef>
+          <a:fillRef idx="0">
+            <a:schemeClr val="accent1"/>
+          </a:fillRef>
+          <a:effectRef idx="0">
+            <a:schemeClr val="accent1"/>
+          </a:effectRef>
+          <a:fontRef idx="minor">
+            <a:schemeClr val="tx1"/>
+          </a:fontRef>
+        </p:style>
+      </p:cxnSp>
+      <mc:AlternateContent xmlns:mc="http://schemas.openxmlformats.org/markup-compatibility/2006">
+        <mc:Choice xmlns:a14="http://schemas.microsoft.com/office/drawing/2010/main" Requires="a14">
+          <p:sp>
+            <p:nvSpPr>
+              <p:cNvPr id="68" name="テキスト ボックス 67">
+                <a:extLst>
+                  <a:ext uri="{FF2B5EF4-FFF2-40B4-BE49-F238E27FC236}">
+                    <a16:creationId xmlns:a16="http://schemas.microsoft.com/office/drawing/2014/main" id="{75A4EA86-5A14-6BF5-D1A3-00A1A2221B8B}"/>
+                  </a:ext>
+                </a:extLst>
+              </p:cNvPr>
+              <p:cNvSpPr txBox="1"/>
+              <p:nvPr/>
+            </p:nvSpPr>
+            <p:spPr>
+              <a:xfrm>
+                <a:off x="6524778" y="3087876"/>
+                <a:ext cx="285346" cy="369332"/>
+              </a:xfrm>
+              <a:prstGeom prst="rect">
+                <a:avLst/>
+              </a:prstGeom>
+              <a:noFill/>
+            </p:spPr>
+            <p:txBody>
+              <a:bodyPr wrap="square" rtlCol="0">
+                <a:spAutoFit/>
+              </a:bodyPr>
+              <a:lstStyle/>
+              <a:p>
+                <a14:m>
+                  <m:oMathPara xmlns:m="http://schemas.openxmlformats.org/officeDocument/2006/math">
+                    <m:oMathParaPr>
+                      <m:jc m:val="centerGroup"/>
+                    </m:oMathParaPr>
+                    <m:oMath xmlns:m="http://schemas.openxmlformats.org/officeDocument/2006/math">
+                      <m:r>
+                        <a:rPr lang="en-US" altLang="ja-JP" sz="1800" b="1" i="1" smtClean="0">
+                          <a:solidFill>
+                            <a:schemeClr val="accent1">
+                              <a:lumMod val="75000"/>
+                            </a:schemeClr>
+                          </a:solidFill>
+                          <a:latin typeface="Cambria Math" panose="02040503050406030204" pitchFamily="18" charset="0"/>
+                          <a:ea typeface="BIZ UDPGothic" panose="020B0400000000000000" pitchFamily="34" charset="-128"/>
+                        </a:rPr>
+                        <m:t>𝒃</m:t>
+                      </m:r>
+                    </m:oMath>
+                  </m:oMathPara>
+                </a14:m>
+                <a:endParaRPr kumimoji="1" lang="ja-JP" altLang="en-US" b="1">
+                  <a:solidFill>
+                    <a:schemeClr val="accent1">
+                      <a:lumMod val="75000"/>
+                    </a:schemeClr>
+                  </a:solidFill>
+                  <a:latin typeface="BIZ UDPGothic" panose="020B0400000000000000" pitchFamily="34" charset="-128"/>
+                  <a:ea typeface="BIZ UDPGothic" panose="020B0400000000000000" pitchFamily="34" charset="-128"/>
+                </a:endParaRPr>
+              </a:p>
+            </p:txBody>
+          </p:sp>
+        </mc:Choice>
+        <mc:Fallback>
+          <p:sp>
+            <p:nvSpPr>
+              <p:cNvPr id="68" name="テキスト ボックス 67">
+                <a:extLst>
+                  <a:ext uri="{FF2B5EF4-FFF2-40B4-BE49-F238E27FC236}">
+                    <a16:creationId xmlns:a16="http://schemas.microsoft.com/office/drawing/2014/main" id="{75A4EA86-5A14-6BF5-D1A3-00A1A2221B8B}"/>
+                  </a:ext>
+                </a:extLst>
+              </p:cNvPr>
+              <p:cNvSpPr txBox="1">
+                <a:spLocks noRot="1" noChangeAspect="1" noMove="1" noResize="1" noEditPoints="1" noAdjustHandles="1" noChangeArrowheads="1" noChangeShapeType="1" noTextEdit="1"/>
+              </p:cNvSpPr>
+              <p:nvPr/>
+            </p:nvSpPr>
+            <p:spPr>
+              <a:xfrm>
+                <a:off x="6524778" y="3087876"/>
+                <a:ext cx="285346" cy="369332"/>
+              </a:xfrm>
+              <a:prstGeom prst="rect">
+                <a:avLst/>
+              </a:prstGeom>
+              <a:blipFill>
+                <a:blip r:embed="rId10"/>
+                <a:stretch>
+                  <a:fillRect r="-8333"/>
+                </a:stretch>
+              </a:blipFill>
+            </p:spPr>
+            <p:txBody>
+              <a:bodyPr/>
+              <a:lstStyle/>
+              <a:p>
+                <a:r>
+                  <a:rPr lang="ja-JP" altLang="en-US">
+                    <a:noFill/>
+                  </a:rPr>
+                  <a:t> </a:t>
+                </a:r>
+              </a:p>
+            </p:txBody>
+          </p:sp>
+        </mc:Fallback>
+      </mc:AlternateContent>
+      <p:sp>
+        <p:nvSpPr>
+          <p:cNvPr id="69" name="円弧 68">
+            <a:extLst>
+              <a:ext uri="{FF2B5EF4-FFF2-40B4-BE49-F238E27FC236}">
+                <a16:creationId xmlns:a16="http://schemas.microsoft.com/office/drawing/2014/main" id="{9216939F-8D10-8F3E-3B24-64024A7B6D2D}"/>
+              </a:ext>
+            </a:extLst>
+          </p:cNvPr>
+          <p:cNvSpPr/>
+          <p:nvPr/>
+        </p:nvSpPr>
+        <p:spPr>
+          <a:xfrm>
+            <a:off x="5269891" y="2870735"/>
+            <a:ext cx="1193326" cy="1124663"/>
+          </a:xfrm>
+          <a:prstGeom prst="arc">
+            <a:avLst>
+              <a:gd name="adj1" fmla="val 20549878"/>
+              <a:gd name="adj2" fmla="val 21499947"/>
+            </a:avLst>
+          </a:prstGeom>
+          <a:ln w="19050">
+            <a:solidFill>
+              <a:schemeClr val="accent1">
+                <a:lumMod val="75000"/>
+              </a:schemeClr>
+            </a:solidFill>
+          </a:ln>
+        </p:spPr>
+        <p:style>
+          <a:lnRef idx="1">
+            <a:schemeClr val="accent1"/>
+          </a:lnRef>
+          <a:fillRef idx="0">
+            <a:schemeClr val="accent1"/>
+          </a:fillRef>
+          <a:effectRef idx="0">
+            <a:schemeClr val="accent1"/>
+          </a:effectRef>
+          <a:fontRef idx="minor">
+            <a:schemeClr val="tx1"/>
+          </a:fontRef>
+        </p:style>
+        <p:txBody>
+          <a:bodyPr rtlCol="0" anchor="ctr"/>
+          <a:lstStyle/>
+          <a:p>
+            <a:pPr algn="ctr"/>
+            <a:endParaRPr kumimoji="1" lang="ja-JP" altLang="en-US"/>
+          </a:p>
+        </p:txBody>
+      </p:sp>
+      <mc:AlternateContent xmlns:mc="http://schemas.openxmlformats.org/markup-compatibility/2006">
+        <mc:Choice xmlns:a14="http://schemas.microsoft.com/office/drawing/2010/main" Requires="a14">
+          <p:sp>
+            <p:nvSpPr>
+              <p:cNvPr id="70" name="テキスト ボックス 69">
+                <a:extLst>
+                  <a:ext uri="{FF2B5EF4-FFF2-40B4-BE49-F238E27FC236}">
+                    <a16:creationId xmlns:a16="http://schemas.microsoft.com/office/drawing/2014/main" id="{40D042EE-CCAD-85CE-4A3D-56EB89AA45D1}"/>
+                  </a:ext>
+                </a:extLst>
+              </p:cNvPr>
+              <p:cNvSpPr txBox="1"/>
+              <p:nvPr/>
+            </p:nvSpPr>
+            <p:spPr>
+              <a:xfrm>
+                <a:off x="7798725" y="2519761"/>
+                <a:ext cx="1588361" cy="400110"/>
+              </a:xfrm>
+              <a:prstGeom prst="rect">
+                <a:avLst/>
+              </a:prstGeom>
+              <a:noFill/>
+            </p:spPr>
+            <p:txBody>
+              <a:bodyPr wrap="square" rtlCol="0">
+                <a:spAutoFit/>
+              </a:bodyPr>
+              <a:lstStyle/>
+              <a:p>
+                <a14:m>
+                  <m:oMathPara xmlns:m="http://schemas.openxmlformats.org/officeDocument/2006/math">
+                    <m:oMathParaPr>
+                      <m:jc m:val="centerGroup"/>
+                    </m:oMathParaPr>
+                    <m:oMath xmlns:m="http://schemas.openxmlformats.org/officeDocument/2006/math">
+                      <m:sSub>
+                        <m:sSubPr>
+                          <m:ctrlPr>
+                            <a:rPr lang="en-US" altLang="ja-JP" sz="2000" i="1" smtClean="0">
+                              <a:solidFill>
+                                <a:schemeClr val="accent1">
+                                  <a:lumMod val="75000"/>
+                                </a:schemeClr>
+                              </a:solidFill>
+                              <a:latin typeface="Cambria Math" panose="02040503050406030204" pitchFamily="18" charset="0"/>
+                              <a:ea typeface="BIZ UDPGothic" panose="020B0400000000000000" pitchFamily="34" charset="-128"/>
+                            </a:rPr>
+                          </m:ctrlPr>
+                        </m:sSubPr>
+                        <m:e>
+                          <m:r>
+                            <a:rPr lang="en-US" altLang="ja-JP" sz="2000" i="1">
+                              <a:solidFill>
+                                <a:schemeClr val="accent1">
+                                  <a:lumMod val="75000"/>
+                                </a:schemeClr>
+                              </a:solidFill>
+                              <a:latin typeface="Cambria Math" panose="02040503050406030204" pitchFamily="18" charset="0"/>
+                              <a:ea typeface="BIZ UDPGothic" panose="020B0400000000000000" pitchFamily="34" charset="-128"/>
+                            </a:rPr>
+                            <m:t>𝑌</m:t>
+                          </m:r>
+                        </m:e>
+                        <m:sub>
+                          <m:r>
+                            <a:rPr lang="en-US" altLang="ja-JP" sz="2000" i="1">
+                              <a:solidFill>
+                                <a:schemeClr val="accent1">
+                                  <a:lumMod val="75000"/>
+                                </a:schemeClr>
+                              </a:solidFill>
+                              <a:latin typeface="Cambria Math" panose="02040503050406030204" pitchFamily="18" charset="0"/>
+                              <a:ea typeface="BIZ UDPGothic" panose="020B0400000000000000" pitchFamily="34" charset="-128"/>
+                            </a:rPr>
+                            <m:t>𝑖</m:t>
+                          </m:r>
+                        </m:sub>
+                      </m:sSub>
+                      <m:r>
+                        <a:rPr lang="en-US" altLang="ja-JP" sz="2000" i="1" smtClean="0">
+                          <a:solidFill>
+                            <a:schemeClr val="accent1">
+                              <a:lumMod val="75000"/>
+                            </a:schemeClr>
+                          </a:solidFill>
+                          <a:latin typeface="Cambria Math" panose="02040503050406030204" pitchFamily="18" charset="0"/>
+                          <a:ea typeface="BIZ UDPGothic" panose="020B0400000000000000" pitchFamily="34" charset="-128"/>
+                        </a:rPr>
+                        <m:t>=</m:t>
+                      </m:r>
+                      <m:r>
+                        <a:rPr lang="en-US" altLang="ja-JP" sz="2000" i="1">
+                          <a:solidFill>
+                            <a:schemeClr val="accent1">
+                              <a:lumMod val="75000"/>
+                            </a:schemeClr>
+                          </a:solidFill>
+                          <a:latin typeface="Cambria Math" panose="02040503050406030204" pitchFamily="18" charset="0"/>
+                          <a:ea typeface="BIZ UDPGothic" panose="020B0400000000000000" pitchFamily="34" charset="-128"/>
+                        </a:rPr>
+                        <m:t>𝑎</m:t>
+                      </m:r>
+                      <m:r>
+                        <a:rPr lang="en-US" altLang="ja-JP" sz="2000" i="1">
+                          <a:solidFill>
+                            <a:schemeClr val="accent1">
+                              <a:lumMod val="75000"/>
+                            </a:schemeClr>
+                          </a:solidFill>
+                          <a:latin typeface="Cambria Math" panose="02040503050406030204" pitchFamily="18" charset="0"/>
+                          <a:ea typeface="BIZ UDPGothic" panose="020B0400000000000000" pitchFamily="34" charset="-128"/>
+                        </a:rPr>
+                        <m:t>+</m:t>
+                      </m:r>
+                      <m:r>
+                        <a:rPr lang="en-US" altLang="ja-JP" sz="2000" i="1">
+                          <a:solidFill>
+                            <a:schemeClr val="accent1">
+                              <a:lumMod val="75000"/>
+                            </a:schemeClr>
+                          </a:solidFill>
+                          <a:latin typeface="Cambria Math" panose="02040503050406030204" pitchFamily="18" charset="0"/>
+                          <a:ea typeface="BIZ UDPGothic" panose="020B0400000000000000" pitchFamily="34" charset="-128"/>
+                        </a:rPr>
+                        <m:t>𝑏</m:t>
+                      </m:r>
+                      <m:sSub>
+                        <m:sSubPr>
+                          <m:ctrlPr>
+                            <a:rPr lang="en-US" altLang="ja-JP" sz="2000" i="1">
+                              <a:solidFill>
+                                <a:schemeClr val="accent1">
+                                  <a:lumMod val="75000"/>
+                                </a:schemeClr>
+                              </a:solidFill>
+                              <a:latin typeface="Cambria Math" panose="02040503050406030204" pitchFamily="18" charset="0"/>
+                              <a:ea typeface="BIZ UDPGothic" panose="020B0400000000000000" pitchFamily="34" charset="-128"/>
+                            </a:rPr>
+                          </m:ctrlPr>
+                        </m:sSubPr>
+                        <m:e>
+                          <m:r>
+                            <a:rPr lang="en-US" altLang="ja-JP" sz="2000" i="1">
+                              <a:solidFill>
+                                <a:schemeClr val="accent1">
+                                  <a:lumMod val="75000"/>
+                                </a:schemeClr>
+                              </a:solidFill>
+                              <a:latin typeface="Cambria Math" panose="02040503050406030204" pitchFamily="18" charset="0"/>
+                              <a:ea typeface="BIZ UDPGothic" panose="020B0400000000000000" pitchFamily="34" charset="-128"/>
+                            </a:rPr>
+                            <m:t>𝑋</m:t>
+                          </m:r>
+                        </m:e>
+                        <m:sub>
+                          <m:r>
+                            <a:rPr lang="en-US" altLang="ja-JP" sz="2000" i="1">
+                              <a:solidFill>
+                                <a:schemeClr val="accent1">
+                                  <a:lumMod val="75000"/>
+                                </a:schemeClr>
+                              </a:solidFill>
+                              <a:latin typeface="Cambria Math" panose="02040503050406030204" pitchFamily="18" charset="0"/>
+                              <a:ea typeface="BIZ UDPGothic" panose="020B0400000000000000" pitchFamily="34" charset="-128"/>
+                            </a:rPr>
+                            <m:t>𝑖</m:t>
+                          </m:r>
+                        </m:sub>
+                      </m:sSub>
+                    </m:oMath>
+                  </m:oMathPara>
+                </a14:m>
+                <a:endParaRPr kumimoji="1" lang="ja-JP" altLang="en-US" sz="2000">
+                  <a:solidFill>
+                    <a:schemeClr val="accent1">
+                      <a:lumMod val="75000"/>
+                    </a:schemeClr>
+                  </a:solidFill>
+                  <a:latin typeface="BIZ UDPGothic" panose="020B0400000000000000" pitchFamily="34" charset="-128"/>
+                  <a:ea typeface="BIZ UDPGothic" panose="020B0400000000000000" pitchFamily="34" charset="-128"/>
+                </a:endParaRPr>
+              </a:p>
+            </p:txBody>
+          </p:sp>
+        </mc:Choice>
+        <mc:Fallback>
+          <p:sp>
+            <p:nvSpPr>
+              <p:cNvPr id="70" name="テキスト ボックス 69">
+                <a:extLst>
+                  <a:ext uri="{FF2B5EF4-FFF2-40B4-BE49-F238E27FC236}">
+                    <a16:creationId xmlns:a16="http://schemas.microsoft.com/office/drawing/2014/main" id="{40D042EE-CCAD-85CE-4A3D-56EB89AA45D1}"/>
+                  </a:ext>
+                </a:extLst>
+              </p:cNvPr>
+              <p:cNvSpPr txBox="1">
+                <a:spLocks noRot="1" noChangeAspect="1" noMove="1" noResize="1" noEditPoints="1" noAdjustHandles="1" noChangeArrowheads="1" noChangeShapeType="1" noTextEdit="1"/>
+              </p:cNvSpPr>
+              <p:nvPr/>
+            </p:nvSpPr>
+            <p:spPr>
+              <a:xfrm>
+                <a:off x="7798725" y="2519761"/>
+                <a:ext cx="1588361" cy="400110"/>
+              </a:xfrm>
+              <a:prstGeom prst="rect">
+                <a:avLst/>
+              </a:prstGeom>
+              <a:blipFill>
+                <a:blip r:embed="rId11"/>
+                <a:stretch>
+                  <a:fillRect b="-6250"/>
+                </a:stretch>
+              </a:blipFill>
+            </p:spPr>
+            <p:txBody>
+              <a:bodyPr/>
+              <a:lstStyle/>
+              <a:p>
+                <a:r>
+                  <a:rPr lang="ja-JP" altLang="en-US">
+                    <a:noFill/>
+                  </a:rPr>
+                  <a:t> </a:t>
+                </a:r>
+              </a:p>
+            </p:txBody>
+          </p:sp>
+        </mc:Fallback>
+      </mc:AlternateContent>
+    </p:spTree>
+    <p:extLst>
+      <p:ext uri="{BB962C8B-B14F-4D97-AF65-F5344CB8AC3E}">
+        <p14:creationId xmlns:p14="http://schemas.microsoft.com/office/powerpoint/2010/main" val="2479661474"/>
       </p:ext>
     </p:extLst>
   </p:cSld>
